--- a/assets/docs/Presentación1.pptx
+++ b/assets/docs/Presentación1.pptx
@@ -255,7 +255,7 @@
           <a:p>
             <a:fld id="{AF99848F-2E90-422F-A825-1CE64B5117CF}" type="datetimeFigureOut">
               <a:rPr lang="es-PE" smtClean="0"/>
-              <a:t>31/03/2018</a:t>
+              <a:t>01/04/2018</a:t>
             </a:fld>
             <a:endParaRPr lang="es-PE"/>
           </a:p>
@@ -425,7 +425,7 @@
           <a:p>
             <a:fld id="{AF99848F-2E90-422F-A825-1CE64B5117CF}" type="datetimeFigureOut">
               <a:rPr lang="es-PE" smtClean="0"/>
-              <a:t>31/03/2018</a:t>
+              <a:t>01/04/2018</a:t>
             </a:fld>
             <a:endParaRPr lang="es-PE"/>
           </a:p>
@@ -605,7 +605,7 @@
           <a:p>
             <a:fld id="{AF99848F-2E90-422F-A825-1CE64B5117CF}" type="datetimeFigureOut">
               <a:rPr lang="es-PE" smtClean="0"/>
-              <a:t>31/03/2018</a:t>
+              <a:t>01/04/2018</a:t>
             </a:fld>
             <a:endParaRPr lang="es-PE"/>
           </a:p>
@@ -775,7 +775,7 @@
           <a:p>
             <a:fld id="{AF99848F-2E90-422F-A825-1CE64B5117CF}" type="datetimeFigureOut">
               <a:rPr lang="es-PE" smtClean="0"/>
-              <a:t>31/03/2018</a:t>
+              <a:t>01/04/2018</a:t>
             </a:fld>
             <a:endParaRPr lang="es-PE"/>
           </a:p>
@@ -1019,7 +1019,7 @@
           <a:p>
             <a:fld id="{AF99848F-2E90-422F-A825-1CE64B5117CF}" type="datetimeFigureOut">
               <a:rPr lang="es-PE" smtClean="0"/>
-              <a:t>31/03/2018</a:t>
+              <a:t>01/04/2018</a:t>
             </a:fld>
             <a:endParaRPr lang="es-PE"/>
           </a:p>
@@ -1251,7 +1251,7 @@
           <a:p>
             <a:fld id="{AF99848F-2E90-422F-A825-1CE64B5117CF}" type="datetimeFigureOut">
               <a:rPr lang="es-PE" smtClean="0"/>
-              <a:t>31/03/2018</a:t>
+              <a:t>01/04/2018</a:t>
             </a:fld>
             <a:endParaRPr lang="es-PE"/>
           </a:p>
@@ -1618,7 +1618,7 @@
           <a:p>
             <a:fld id="{AF99848F-2E90-422F-A825-1CE64B5117CF}" type="datetimeFigureOut">
               <a:rPr lang="es-PE" smtClean="0"/>
-              <a:t>31/03/2018</a:t>
+              <a:t>01/04/2018</a:t>
             </a:fld>
             <a:endParaRPr lang="es-PE"/>
           </a:p>
@@ -1736,7 +1736,7 @@
           <a:p>
             <a:fld id="{AF99848F-2E90-422F-A825-1CE64B5117CF}" type="datetimeFigureOut">
               <a:rPr lang="es-PE" smtClean="0"/>
-              <a:t>31/03/2018</a:t>
+              <a:t>01/04/2018</a:t>
             </a:fld>
             <a:endParaRPr lang="es-PE"/>
           </a:p>
@@ -1831,7 +1831,7 @@
           <a:p>
             <a:fld id="{AF99848F-2E90-422F-A825-1CE64B5117CF}" type="datetimeFigureOut">
               <a:rPr lang="es-PE" smtClean="0"/>
-              <a:t>31/03/2018</a:t>
+              <a:t>01/04/2018</a:t>
             </a:fld>
             <a:endParaRPr lang="es-PE"/>
           </a:p>
@@ -2108,7 +2108,7 @@
           <a:p>
             <a:fld id="{AF99848F-2E90-422F-A825-1CE64B5117CF}" type="datetimeFigureOut">
               <a:rPr lang="es-PE" smtClean="0"/>
-              <a:t>31/03/2018</a:t>
+              <a:t>01/04/2018</a:t>
             </a:fld>
             <a:endParaRPr lang="es-PE"/>
           </a:p>
@@ -2365,7 +2365,7 @@
           <a:p>
             <a:fld id="{AF99848F-2E90-422F-A825-1CE64B5117CF}" type="datetimeFigureOut">
               <a:rPr lang="es-PE" smtClean="0"/>
-              <a:t>31/03/2018</a:t>
+              <a:t>01/04/2018</a:t>
             </a:fld>
             <a:endParaRPr lang="es-PE"/>
           </a:p>
@@ -2578,7 +2578,7 @@
           <a:p>
             <a:fld id="{AF99848F-2E90-422F-A825-1CE64B5117CF}" type="datetimeFigureOut">
               <a:rPr lang="es-PE" smtClean="0"/>
-              <a:t>31/03/2018</a:t>
+              <a:t>01/04/2018</a:t>
             </a:fld>
             <a:endParaRPr lang="es-PE"/>
           </a:p>
@@ -5814,10 +5814,2356 @@
           <a:chExt cx="0" cy="0"/>
         </a:xfrm>
       </p:grpSpPr>
+      <p:graphicFrame>
+        <p:nvGraphicFramePr>
+          <p:cNvPr id="4" name="Tabla 3"/>
+          <p:cNvGraphicFramePr>
+            <a:graphicFrameLocks noGrp="1"/>
+          </p:cNvGraphicFramePr>
+          <p:nvPr>
+            <p:extLst>
+              <p:ext uri="{D42A27DB-BD31-4B8C-83A1-F6EECF244321}">
+                <p14:modId xmlns:p14="http://schemas.microsoft.com/office/powerpoint/2010/main" val="2170438660"/>
+              </p:ext>
+            </p:extLst>
+          </p:nvPr>
+        </p:nvGraphicFramePr>
+        <p:xfrm>
+          <a:off x="344205" y="1026135"/>
+          <a:ext cx="12992665" cy="6261816"/>
+        </p:xfrm>
+        <a:graphic>
+          <a:graphicData uri="http://schemas.openxmlformats.org/drawingml/2006/table">
+            <a:tbl>
+              <a:tblPr firstRow="1" bandRow="1">
+                <a:tableStyleId>{93296810-A885-4BE3-A3E7-6D5BEEA58F35}</a:tableStyleId>
+              </a:tblPr>
+              <a:tblGrid>
+                <a:gridCol w="7121120">
+                  <a:extLst>
+                    <a:ext uri="{9D8B030D-6E8A-4147-A177-3AD203B41FA5}">
+                      <a16:colId xmlns:a16="http://schemas.microsoft.com/office/drawing/2014/main" val="3976889084"/>
+                    </a:ext>
+                  </a:extLst>
+                </a:gridCol>
+                <a:gridCol w="1132765">
+                  <a:extLst>
+                    <a:ext uri="{9D8B030D-6E8A-4147-A177-3AD203B41FA5}">
+                      <a16:colId xmlns:a16="http://schemas.microsoft.com/office/drawing/2014/main" val="1030950552"/>
+                    </a:ext>
+                  </a:extLst>
+                </a:gridCol>
+                <a:gridCol w="914400">
+                  <a:extLst>
+                    <a:ext uri="{9D8B030D-6E8A-4147-A177-3AD203B41FA5}">
+                      <a16:colId xmlns:a16="http://schemas.microsoft.com/office/drawing/2014/main" val="2744707191"/>
+                    </a:ext>
+                  </a:extLst>
+                </a:gridCol>
+                <a:gridCol w="1146411">
+                  <a:extLst>
+                    <a:ext uri="{9D8B030D-6E8A-4147-A177-3AD203B41FA5}">
+                      <a16:colId xmlns:a16="http://schemas.microsoft.com/office/drawing/2014/main" val="353984734"/>
+                    </a:ext>
+                  </a:extLst>
+                </a:gridCol>
+                <a:gridCol w="900753">
+                  <a:extLst>
+                    <a:ext uri="{9D8B030D-6E8A-4147-A177-3AD203B41FA5}">
+                      <a16:colId xmlns:a16="http://schemas.microsoft.com/office/drawing/2014/main" val="106159572"/>
+                    </a:ext>
+                  </a:extLst>
+                </a:gridCol>
+                <a:gridCol w="791570">
+                  <a:extLst>
+                    <a:ext uri="{9D8B030D-6E8A-4147-A177-3AD203B41FA5}">
+                      <a16:colId xmlns:a16="http://schemas.microsoft.com/office/drawing/2014/main" val="3562456136"/>
+                    </a:ext>
+                  </a:extLst>
+                </a:gridCol>
+                <a:gridCol w="985646">
+                  <a:extLst>
+                    <a:ext uri="{9D8B030D-6E8A-4147-A177-3AD203B41FA5}">
+                      <a16:colId xmlns:a16="http://schemas.microsoft.com/office/drawing/2014/main" val="2666013128"/>
+                    </a:ext>
+                  </a:extLst>
+                </a:gridCol>
+              </a:tblGrid>
+              <a:tr h="264944">
+                <a:tc>
+                  <a:txBody>
+                    <a:bodyPr/>
+                    <a:lstStyle/>
+                    <a:p>
+                      <a:pPr algn="ctr"/>
+                      <a:r>
+                        <a:rPr lang="es-PE" sz="1200" dirty="0" smtClean="0"/>
+                        <a:t>CARACTERISTICAS</a:t>
+                      </a:r>
+                      <a:endParaRPr lang="es-PE" sz="1200" dirty="0"/>
+                    </a:p>
+                  </a:txBody>
+                  <a:tcPr/>
+                </a:tc>
+                <a:tc>
+                  <a:txBody>
+                    <a:bodyPr/>
+                    <a:lstStyle/>
+                    <a:p>
+                      <a:pPr algn="ctr"/>
+                      <a:r>
+                        <a:rPr lang="es-PE" sz="1200" dirty="0" smtClean="0"/>
+                        <a:t>VIEWRANGER</a:t>
+                      </a:r>
+                      <a:endParaRPr lang="es-PE" sz="1200" dirty="0"/>
+                    </a:p>
+                  </a:txBody>
+                  <a:tcPr/>
+                </a:tc>
+                <a:tc>
+                  <a:txBody>
+                    <a:bodyPr/>
+                    <a:lstStyle/>
+                    <a:p>
+                      <a:pPr algn="ctr"/>
+                      <a:r>
+                        <a:rPr lang="es-PE" sz="1200" dirty="0" smtClean="0"/>
+                        <a:t>MYTRAILS</a:t>
+                      </a:r>
+                      <a:endParaRPr lang="es-PE" sz="1200" dirty="0"/>
+                    </a:p>
+                  </a:txBody>
+                  <a:tcPr/>
+                </a:tc>
+                <a:tc>
+                  <a:txBody>
+                    <a:bodyPr/>
+                    <a:lstStyle/>
+                    <a:p>
+                      <a:pPr algn="ctr"/>
+                      <a:r>
+                        <a:rPr lang="es-PE" sz="1200" dirty="0" smtClean="0"/>
+                        <a:t>ENDOMONDO</a:t>
+                      </a:r>
+                      <a:endParaRPr lang="es-PE" sz="1200" dirty="0"/>
+                    </a:p>
+                  </a:txBody>
+                  <a:tcPr/>
+                </a:tc>
+                <a:tc>
+                  <a:txBody>
+                    <a:bodyPr/>
+                    <a:lstStyle/>
+                    <a:p>
+                      <a:pPr algn="ctr"/>
+                      <a:r>
+                        <a:rPr lang="es-PE" sz="1200" dirty="0" smtClean="0"/>
+                        <a:t>ALLTRAILS</a:t>
+                      </a:r>
+                      <a:endParaRPr lang="es-PE" sz="1200" dirty="0"/>
+                    </a:p>
+                  </a:txBody>
+                  <a:tcPr/>
+                </a:tc>
+                <a:tc>
+                  <a:txBody>
+                    <a:bodyPr/>
+                    <a:lstStyle/>
+                    <a:p>
+                      <a:pPr algn="ctr"/>
+                      <a:r>
+                        <a:rPr lang="es-PE" sz="1200" dirty="0" smtClean="0"/>
+                        <a:t>KOMOOT</a:t>
+                      </a:r>
+                      <a:endParaRPr lang="es-PE" sz="1200" dirty="0"/>
+                    </a:p>
+                  </a:txBody>
+                  <a:tcPr/>
+                </a:tc>
+                <a:tc>
+                  <a:txBody>
+                    <a:bodyPr/>
+                    <a:lstStyle/>
+                    <a:p>
+                      <a:pPr algn="ctr"/>
+                      <a:r>
+                        <a:rPr lang="es-PE" sz="1200" dirty="0" smtClean="0"/>
+                        <a:t>GPS STRAVA</a:t>
+                      </a:r>
+                      <a:endParaRPr lang="es-PE" sz="1200" dirty="0"/>
+                    </a:p>
+                  </a:txBody>
+                  <a:tcPr/>
+                </a:tc>
+                <a:extLst>
+                  <a:ext uri="{0D108BD9-81ED-4DB2-BD59-A6C34878D82A}">
+                    <a16:rowId xmlns:a16="http://schemas.microsoft.com/office/drawing/2014/main" val="1748483432"/>
+                  </a:ext>
+                </a:extLst>
+              </a:tr>
+              <a:tr h="390577">
+                <a:tc>
+                  <a:txBody>
+                    <a:bodyPr/>
+                    <a:lstStyle/>
+                    <a:p>
+                      <a:r>
+                        <a:rPr lang="es-PE" sz="1200" dirty="0" smtClean="0"/>
+                        <a:t>Busca rutas cercanas por nombre del lugar, por autor o por tipo de actividad.</a:t>
+                      </a:r>
+                      <a:endParaRPr lang="es-PE" sz="1200" dirty="0"/>
+                    </a:p>
+                  </a:txBody>
+                  <a:tcPr/>
+                </a:tc>
+                <a:tc>
+                  <a:txBody>
+                    <a:bodyPr/>
+                    <a:lstStyle/>
+                    <a:p>
+                      <a:pPr algn="ctr"/>
+                      <a:r>
+                        <a:rPr lang="es-PE" sz="1300" b="1" dirty="0" smtClean="0"/>
+                        <a:t>X</a:t>
+                      </a:r>
+                      <a:endParaRPr lang="es-PE" sz="1300" b="1" dirty="0"/>
+                    </a:p>
+                  </a:txBody>
+                  <a:tcPr/>
+                </a:tc>
+                <a:tc>
+                  <a:txBody>
+                    <a:bodyPr/>
+                    <a:lstStyle/>
+                    <a:p>
+                      <a:pPr algn="ctr"/>
+                      <a:r>
+                        <a:rPr lang="es-PE" sz="1300" b="1" dirty="0" smtClean="0"/>
+                        <a:t>X</a:t>
+                      </a:r>
+                      <a:endParaRPr lang="es-PE" sz="1300" b="1" dirty="0"/>
+                    </a:p>
+                  </a:txBody>
+                  <a:tcPr/>
+                </a:tc>
+                <a:tc>
+                  <a:txBody>
+                    <a:bodyPr/>
+                    <a:lstStyle/>
+                    <a:p>
+                      <a:pPr algn="ctr"/>
+                      <a:r>
+                        <a:rPr lang="es-PE" sz="1300" b="1" dirty="0" smtClean="0"/>
+                        <a:t>X</a:t>
+                      </a:r>
+                      <a:endParaRPr lang="es-PE" sz="1300" b="1" dirty="0"/>
+                    </a:p>
+                  </a:txBody>
+                  <a:tcPr/>
+                </a:tc>
+                <a:tc>
+                  <a:txBody>
+                    <a:bodyPr/>
+                    <a:lstStyle/>
+                    <a:p>
+                      <a:pPr algn="ctr"/>
+                      <a:r>
+                        <a:rPr lang="es-PE" sz="1300" b="1" dirty="0" smtClean="0"/>
+                        <a:t>X</a:t>
+                      </a:r>
+                      <a:endParaRPr lang="es-PE" sz="1300" b="1" dirty="0"/>
+                    </a:p>
+                  </a:txBody>
+                  <a:tcPr/>
+                </a:tc>
+                <a:tc>
+                  <a:txBody>
+                    <a:bodyPr/>
+                    <a:lstStyle/>
+                    <a:p>
+                      <a:pPr algn="ctr"/>
+                      <a:r>
+                        <a:rPr lang="es-PE" sz="1300" b="1" dirty="0" smtClean="0"/>
+                        <a:t>X</a:t>
+                      </a:r>
+                      <a:endParaRPr lang="es-PE" sz="1300" b="1" dirty="0"/>
+                    </a:p>
+                  </a:txBody>
+                  <a:tcPr/>
+                </a:tc>
+                <a:tc>
+                  <a:txBody>
+                    <a:bodyPr/>
+                    <a:lstStyle/>
+                    <a:p>
+                      <a:pPr algn="ctr"/>
+                      <a:r>
+                        <a:rPr lang="es-PE" sz="1300" b="1" dirty="0" smtClean="0"/>
+                        <a:t>X</a:t>
+                      </a:r>
+                      <a:endParaRPr lang="es-PE" sz="1300" b="1" dirty="0"/>
+                    </a:p>
+                  </a:txBody>
+                  <a:tcPr/>
+                </a:tc>
+                <a:extLst>
+                  <a:ext uri="{0D108BD9-81ED-4DB2-BD59-A6C34878D82A}">
+                    <a16:rowId xmlns:a16="http://schemas.microsoft.com/office/drawing/2014/main" val="2282833974"/>
+                  </a:ext>
+                </a:extLst>
+              </a:tr>
+              <a:tr h="236257">
+                <a:tc>
+                  <a:txBody>
+                    <a:bodyPr/>
+                    <a:lstStyle/>
+                    <a:p>
+                      <a:r>
+                        <a:rPr lang="es-PE" sz="1200" dirty="0" smtClean="0"/>
+                        <a:t>Grabar rutas</a:t>
+                      </a:r>
+                      <a:endParaRPr lang="es-PE" sz="1200" dirty="0"/>
+                    </a:p>
+                  </a:txBody>
+                  <a:tcPr/>
+                </a:tc>
+                <a:tc>
+                  <a:txBody>
+                    <a:bodyPr/>
+                    <a:lstStyle/>
+                    <a:p>
+                      <a:pPr algn="ctr"/>
+                      <a:r>
+                        <a:rPr lang="es-PE" sz="1300" b="1" dirty="0" smtClean="0"/>
+                        <a:t>X</a:t>
+                      </a:r>
+                      <a:endParaRPr lang="es-PE" sz="1300" b="1" dirty="0"/>
+                    </a:p>
+                  </a:txBody>
+                  <a:tcPr/>
+                </a:tc>
+                <a:tc>
+                  <a:txBody>
+                    <a:bodyPr/>
+                    <a:lstStyle/>
+                    <a:p>
+                      <a:pPr algn="ctr"/>
+                      <a:endParaRPr lang="es-PE" sz="1300" b="1" dirty="0"/>
+                    </a:p>
+                  </a:txBody>
+                  <a:tcPr/>
+                </a:tc>
+                <a:tc>
+                  <a:txBody>
+                    <a:bodyPr/>
+                    <a:lstStyle/>
+                    <a:p>
+                      <a:pPr algn="ctr"/>
+                      <a:endParaRPr lang="es-PE" sz="1300" b="1"/>
+                    </a:p>
+                  </a:txBody>
+                  <a:tcPr/>
+                </a:tc>
+                <a:tc>
+                  <a:txBody>
+                    <a:bodyPr/>
+                    <a:lstStyle/>
+                    <a:p>
+                      <a:pPr algn="ctr"/>
+                      <a:r>
+                        <a:rPr lang="es-PE" sz="1300" b="1" dirty="0" smtClean="0"/>
+                        <a:t>X</a:t>
+                      </a:r>
+                      <a:endParaRPr lang="es-PE" sz="1300" b="1" dirty="0"/>
+                    </a:p>
+                  </a:txBody>
+                  <a:tcPr/>
+                </a:tc>
+                <a:tc>
+                  <a:txBody>
+                    <a:bodyPr/>
+                    <a:lstStyle/>
+                    <a:p>
+                      <a:pPr algn="ctr"/>
+                      <a:endParaRPr lang="es-PE" sz="1300" b="1"/>
+                    </a:p>
+                  </a:txBody>
+                  <a:tcPr/>
+                </a:tc>
+                <a:tc>
+                  <a:txBody>
+                    <a:bodyPr/>
+                    <a:lstStyle/>
+                    <a:p>
+                      <a:pPr algn="ctr"/>
+                      <a:endParaRPr lang="es-PE" sz="1300" b="1" dirty="0"/>
+                    </a:p>
+                  </a:txBody>
+                  <a:tcPr/>
+                </a:tc>
+                <a:extLst>
+                  <a:ext uri="{0D108BD9-81ED-4DB2-BD59-A6C34878D82A}">
+                    <a16:rowId xmlns:a16="http://schemas.microsoft.com/office/drawing/2014/main" val="195082588"/>
+                  </a:ext>
+                </a:extLst>
+              </a:tr>
+              <a:tr h="396377">
+                <a:tc>
+                  <a:txBody>
+                    <a:bodyPr/>
+                    <a:lstStyle/>
+                    <a:p>
+                      <a:r>
+                        <a:rPr lang="es-PE" sz="1200" dirty="0" smtClean="0"/>
+                        <a:t>Crea y sigue rutas guardadas o descarga de la librería de rutas de ciclismo y senderismo, generadas por la comunidad.</a:t>
+                      </a:r>
+                      <a:endParaRPr lang="es-PE" sz="1200" dirty="0"/>
+                    </a:p>
+                  </a:txBody>
+                  <a:tcPr/>
+                </a:tc>
+                <a:tc>
+                  <a:txBody>
+                    <a:bodyPr/>
+                    <a:lstStyle/>
+                    <a:p>
+                      <a:pPr algn="ctr"/>
+                      <a:r>
+                        <a:rPr lang="es-PE" sz="1300" b="1" dirty="0" smtClean="0"/>
+                        <a:t>X</a:t>
+                      </a:r>
+                      <a:endParaRPr lang="es-PE" sz="1300" b="1" dirty="0"/>
+                    </a:p>
+                  </a:txBody>
+                  <a:tcPr/>
+                </a:tc>
+                <a:tc>
+                  <a:txBody>
+                    <a:bodyPr/>
+                    <a:lstStyle/>
+                    <a:p>
+                      <a:pPr algn="ctr"/>
+                      <a:endParaRPr lang="es-PE" sz="1300" b="1" dirty="0"/>
+                    </a:p>
+                  </a:txBody>
+                  <a:tcPr/>
+                </a:tc>
+                <a:tc>
+                  <a:txBody>
+                    <a:bodyPr/>
+                    <a:lstStyle/>
+                    <a:p>
+                      <a:pPr algn="ctr"/>
+                      <a:endParaRPr lang="es-PE" sz="1300" b="1" dirty="0"/>
+                    </a:p>
+                  </a:txBody>
+                  <a:tcPr/>
+                </a:tc>
+                <a:tc>
+                  <a:txBody>
+                    <a:bodyPr/>
+                    <a:lstStyle/>
+                    <a:p>
+                      <a:pPr algn="ctr"/>
+                      <a:endParaRPr lang="es-PE" sz="1300" b="1" dirty="0"/>
+                    </a:p>
+                  </a:txBody>
+                  <a:tcPr/>
+                </a:tc>
+                <a:tc>
+                  <a:txBody>
+                    <a:bodyPr/>
+                    <a:lstStyle/>
+                    <a:p>
+                      <a:pPr algn="ctr"/>
+                      <a:endParaRPr lang="es-PE" sz="1300" b="1"/>
+                    </a:p>
+                  </a:txBody>
+                  <a:tcPr/>
+                </a:tc>
+                <a:tc>
+                  <a:txBody>
+                    <a:bodyPr/>
+                    <a:lstStyle/>
+                    <a:p>
+                      <a:pPr algn="ctr"/>
+                      <a:endParaRPr lang="es-PE" sz="1300" b="1" dirty="0"/>
+                    </a:p>
+                  </a:txBody>
+                  <a:tcPr/>
+                </a:tc>
+                <a:extLst>
+                  <a:ext uri="{0D108BD9-81ED-4DB2-BD59-A6C34878D82A}">
+                    <a16:rowId xmlns:a16="http://schemas.microsoft.com/office/drawing/2014/main" val="2347832577"/>
+                  </a:ext>
+                </a:extLst>
+              </a:tr>
+              <a:tr h="271500">
+                <a:tc>
+                  <a:txBody>
+                    <a:bodyPr/>
+                    <a:lstStyle/>
+                    <a:p>
+                      <a:r>
+                        <a:rPr lang="es-PE" sz="1200" dirty="0" smtClean="0"/>
+                        <a:t>Presenta</a:t>
+                      </a:r>
+                      <a:r>
+                        <a:rPr lang="es-PE" sz="1200" baseline="0" dirty="0" smtClean="0"/>
+                        <a:t> datos</a:t>
+                      </a:r>
+                      <a:r>
+                        <a:rPr lang="es-PE" sz="1200" dirty="0" smtClean="0"/>
+                        <a:t> estadísticos y gráficos</a:t>
+                      </a:r>
+                      <a:endParaRPr lang="es-PE" sz="1200" dirty="0"/>
+                    </a:p>
+                  </a:txBody>
+                  <a:tcPr/>
+                </a:tc>
+                <a:tc>
+                  <a:txBody>
+                    <a:bodyPr/>
+                    <a:lstStyle/>
+                    <a:p>
+                      <a:pPr algn="ctr"/>
+                      <a:r>
+                        <a:rPr lang="es-PE" sz="1300" b="1" dirty="0" smtClean="0"/>
+                        <a:t>X</a:t>
+                      </a:r>
+                      <a:endParaRPr lang="es-PE" sz="1300" b="1" dirty="0"/>
+                    </a:p>
+                  </a:txBody>
+                  <a:tcPr/>
+                </a:tc>
+                <a:tc>
+                  <a:txBody>
+                    <a:bodyPr/>
+                    <a:lstStyle/>
+                    <a:p>
+                      <a:pPr algn="ctr"/>
+                      <a:endParaRPr lang="es-PE" sz="1300" b="1" dirty="0"/>
+                    </a:p>
+                  </a:txBody>
+                  <a:tcPr/>
+                </a:tc>
+                <a:tc>
+                  <a:txBody>
+                    <a:bodyPr/>
+                    <a:lstStyle/>
+                    <a:p>
+                      <a:pPr algn="ctr"/>
+                      <a:endParaRPr lang="es-PE" sz="1300" b="1"/>
+                    </a:p>
+                  </a:txBody>
+                  <a:tcPr/>
+                </a:tc>
+                <a:tc>
+                  <a:txBody>
+                    <a:bodyPr/>
+                    <a:lstStyle/>
+                    <a:p>
+                      <a:pPr algn="ctr"/>
+                      <a:endParaRPr lang="es-PE" sz="1300" b="1"/>
+                    </a:p>
+                  </a:txBody>
+                  <a:tcPr/>
+                </a:tc>
+                <a:tc>
+                  <a:txBody>
+                    <a:bodyPr/>
+                    <a:lstStyle/>
+                    <a:p>
+                      <a:pPr algn="ctr"/>
+                      <a:endParaRPr lang="es-PE" sz="1300" b="1"/>
+                    </a:p>
+                  </a:txBody>
+                  <a:tcPr/>
+                </a:tc>
+                <a:tc>
+                  <a:txBody>
+                    <a:bodyPr/>
+                    <a:lstStyle/>
+                    <a:p>
+                      <a:pPr algn="ctr"/>
+                      <a:r>
+                        <a:rPr lang="es-PE" sz="1300" b="1" dirty="0" smtClean="0"/>
+                        <a:t>X</a:t>
+                      </a:r>
+                      <a:endParaRPr lang="es-PE" sz="1300" b="1" dirty="0"/>
+                    </a:p>
+                  </a:txBody>
+                  <a:tcPr/>
+                </a:tc>
+                <a:extLst>
+                  <a:ext uri="{0D108BD9-81ED-4DB2-BD59-A6C34878D82A}">
+                    <a16:rowId xmlns:a16="http://schemas.microsoft.com/office/drawing/2014/main" val="3329674413"/>
+                  </a:ext>
+                </a:extLst>
+              </a:tr>
+              <a:tr h="280211">
+                <a:tc>
+                  <a:txBody>
+                    <a:bodyPr/>
+                    <a:lstStyle/>
+                    <a:p>
+                      <a:r>
+                        <a:rPr lang="es-PE" sz="1200" dirty="0" smtClean="0"/>
+                        <a:t>Comparte</a:t>
+                      </a:r>
+                      <a:r>
+                        <a:rPr lang="es-PE" sz="1200" baseline="0" dirty="0" smtClean="0"/>
+                        <a:t> fotos y videos en redes sociales (Facebook, twitter, Instagram, g+ y Pinterest)</a:t>
+                      </a:r>
+                      <a:endParaRPr lang="es-PE" sz="1200" dirty="0"/>
+                    </a:p>
+                  </a:txBody>
+                  <a:tcPr/>
+                </a:tc>
+                <a:tc>
+                  <a:txBody>
+                    <a:bodyPr/>
+                    <a:lstStyle/>
+                    <a:p>
+                      <a:pPr algn="ctr"/>
+                      <a:r>
+                        <a:rPr lang="es-PE" sz="1300" b="1" dirty="0" smtClean="0"/>
+                        <a:t>X</a:t>
+                      </a:r>
+                      <a:endParaRPr lang="es-PE" sz="1300" b="1" dirty="0"/>
+                    </a:p>
+                  </a:txBody>
+                  <a:tcPr/>
+                </a:tc>
+                <a:tc>
+                  <a:txBody>
+                    <a:bodyPr/>
+                    <a:lstStyle/>
+                    <a:p>
+                      <a:pPr algn="ctr"/>
+                      <a:endParaRPr lang="es-PE" sz="1300" b="1" dirty="0"/>
+                    </a:p>
+                  </a:txBody>
+                  <a:tcPr/>
+                </a:tc>
+                <a:tc>
+                  <a:txBody>
+                    <a:bodyPr/>
+                    <a:lstStyle/>
+                    <a:p>
+                      <a:pPr algn="ctr"/>
+                      <a:r>
+                        <a:rPr lang="es-PE" sz="1300" b="1" dirty="0" smtClean="0"/>
+                        <a:t>X</a:t>
+                      </a:r>
+                      <a:endParaRPr lang="es-PE" sz="1300" b="1" dirty="0"/>
+                    </a:p>
+                  </a:txBody>
+                  <a:tcPr/>
+                </a:tc>
+                <a:tc>
+                  <a:txBody>
+                    <a:bodyPr/>
+                    <a:lstStyle/>
+                    <a:p>
+                      <a:pPr algn="ctr"/>
+                      <a:r>
+                        <a:rPr lang="es-PE" sz="1300" b="1" dirty="0" smtClean="0"/>
+                        <a:t>X</a:t>
+                      </a:r>
+                      <a:endParaRPr lang="es-PE" sz="1300" b="1" dirty="0"/>
+                    </a:p>
+                  </a:txBody>
+                  <a:tcPr/>
+                </a:tc>
+                <a:tc>
+                  <a:txBody>
+                    <a:bodyPr/>
+                    <a:lstStyle/>
+                    <a:p>
+                      <a:pPr algn="ctr"/>
+                      <a:r>
+                        <a:rPr lang="es-PE" sz="1300" b="1" dirty="0" smtClean="0"/>
+                        <a:t>X</a:t>
+                      </a:r>
+                      <a:endParaRPr lang="es-PE" sz="1300" b="1" dirty="0"/>
+                    </a:p>
+                  </a:txBody>
+                  <a:tcPr/>
+                </a:tc>
+                <a:tc>
+                  <a:txBody>
+                    <a:bodyPr/>
+                    <a:lstStyle/>
+                    <a:p>
+                      <a:pPr algn="ctr"/>
+                      <a:endParaRPr lang="es-PE" sz="1300" b="1"/>
+                    </a:p>
+                  </a:txBody>
+                  <a:tcPr/>
+                </a:tc>
+                <a:extLst>
+                  <a:ext uri="{0D108BD9-81ED-4DB2-BD59-A6C34878D82A}">
+                    <a16:rowId xmlns:a16="http://schemas.microsoft.com/office/drawing/2014/main" val="4048646476"/>
+                  </a:ext>
+                </a:extLst>
+              </a:tr>
+              <a:tr h="234591">
+                <a:tc>
+                  <a:txBody>
+                    <a:bodyPr/>
+                    <a:lstStyle/>
+                    <a:p>
+                      <a:r>
+                        <a:rPr lang="es-PE" sz="1200" dirty="0" smtClean="0"/>
+                        <a:t>Acceder a mapas sin conexión</a:t>
+                      </a:r>
+                      <a:endParaRPr lang="es-PE" sz="1200" dirty="0"/>
+                    </a:p>
+                  </a:txBody>
+                  <a:tcPr/>
+                </a:tc>
+                <a:tc>
+                  <a:txBody>
+                    <a:bodyPr/>
+                    <a:lstStyle/>
+                    <a:p>
+                      <a:pPr algn="ctr"/>
+                      <a:r>
+                        <a:rPr lang="es-PE" sz="1300" b="1" dirty="0" smtClean="0"/>
+                        <a:t>X</a:t>
+                      </a:r>
+                      <a:endParaRPr lang="es-PE" sz="1300" b="1" dirty="0"/>
+                    </a:p>
+                  </a:txBody>
+                  <a:tcPr/>
+                </a:tc>
+                <a:tc>
+                  <a:txBody>
+                    <a:bodyPr/>
+                    <a:lstStyle/>
+                    <a:p>
+                      <a:pPr algn="ctr"/>
+                      <a:r>
+                        <a:rPr lang="es-PE" sz="1300" b="1" dirty="0" smtClean="0"/>
+                        <a:t>X</a:t>
+                      </a:r>
+                      <a:endParaRPr lang="es-PE" sz="1300" b="1" dirty="0"/>
+                    </a:p>
+                  </a:txBody>
+                  <a:tcPr/>
+                </a:tc>
+                <a:tc>
+                  <a:txBody>
+                    <a:bodyPr/>
+                    <a:lstStyle/>
+                    <a:p>
+                      <a:pPr algn="ctr"/>
+                      <a:endParaRPr lang="es-PE" sz="1300" b="1" dirty="0"/>
+                    </a:p>
+                  </a:txBody>
+                  <a:tcPr/>
+                </a:tc>
+                <a:tc>
+                  <a:txBody>
+                    <a:bodyPr/>
+                    <a:lstStyle/>
+                    <a:p>
+                      <a:pPr algn="ctr"/>
+                      <a:endParaRPr lang="es-PE" sz="1300" b="1"/>
+                    </a:p>
+                  </a:txBody>
+                  <a:tcPr/>
+                </a:tc>
+                <a:tc>
+                  <a:txBody>
+                    <a:bodyPr/>
+                    <a:lstStyle/>
+                    <a:p>
+                      <a:pPr algn="ctr"/>
+                      <a:r>
+                        <a:rPr lang="es-PE" sz="1300" b="1" dirty="0" smtClean="0"/>
+                        <a:t>X</a:t>
+                      </a:r>
+                      <a:endParaRPr lang="es-PE" sz="1300" b="1" dirty="0"/>
+                    </a:p>
+                  </a:txBody>
+                  <a:tcPr/>
+                </a:tc>
+                <a:tc>
+                  <a:txBody>
+                    <a:bodyPr/>
+                    <a:lstStyle/>
+                    <a:p>
+                      <a:pPr algn="ctr"/>
+                      <a:endParaRPr lang="es-PE" sz="1300" b="1"/>
+                    </a:p>
+                  </a:txBody>
+                  <a:tcPr/>
+                </a:tc>
+                <a:extLst>
+                  <a:ext uri="{0D108BD9-81ED-4DB2-BD59-A6C34878D82A}">
+                    <a16:rowId xmlns:a16="http://schemas.microsoft.com/office/drawing/2014/main" val="570094443"/>
+                  </a:ext>
+                </a:extLst>
+              </a:tr>
+              <a:tr h="267242">
+                <a:tc>
+                  <a:txBody>
+                    <a:bodyPr/>
+                    <a:lstStyle/>
+                    <a:p>
+                      <a:r>
+                        <a:rPr lang="es-PE" sz="1200" dirty="0" smtClean="0"/>
+                        <a:t>Funciona sin conexión en cualquier lugar del mundo, porque los datos se guardan en el celular</a:t>
+                      </a:r>
+                      <a:endParaRPr lang="es-PE" sz="1200" dirty="0"/>
+                    </a:p>
+                  </a:txBody>
+                  <a:tcPr/>
+                </a:tc>
+                <a:tc>
+                  <a:txBody>
+                    <a:bodyPr/>
+                    <a:lstStyle/>
+                    <a:p>
+                      <a:pPr algn="ctr"/>
+                      <a:r>
+                        <a:rPr lang="es-PE" sz="1300" b="1" dirty="0" smtClean="0"/>
+                        <a:t>X</a:t>
+                      </a:r>
+                      <a:endParaRPr lang="es-PE" sz="1300" b="1" dirty="0"/>
+                    </a:p>
+                  </a:txBody>
+                  <a:tcPr/>
+                </a:tc>
+                <a:tc>
+                  <a:txBody>
+                    <a:bodyPr/>
+                    <a:lstStyle/>
+                    <a:p>
+                      <a:pPr algn="ctr"/>
+                      <a:endParaRPr lang="es-PE" sz="1300" b="1"/>
+                    </a:p>
+                  </a:txBody>
+                  <a:tcPr/>
+                </a:tc>
+                <a:tc>
+                  <a:txBody>
+                    <a:bodyPr/>
+                    <a:lstStyle/>
+                    <a:p>
+                      <a:pPr algn="ctr"/>
+                      <a:endParaRPr lang="es-PE" sz="1300" b="1" dirty="0"/>
+                    </a:p>
+                  </a:txBody>
+                  <a:tcPr/>
+                </a:tc>
+                <a:tc>
+                  <a:txBody>
+                    <a:bodyPr/>
+                    <a:lstStyle/>
+                    <a:p>
+                      <a:pPr algn="ctr"/>
+                      <a:endParaRPr lang="es-PE" sz="1300" b="1"/>
+                    </a:p>
+                  </a:txBody>
+                  <a:tcPr/>
+                </a:tc>
+                <a:tc>
+                  <a:txBody>
+                    <a:bodyPr/>
+                    <a:lstStyle/>
+                    <a:p>
+                      <a:pPr algn="ctr"/>
+                      <a:endParaRPr lang="es-PE" sz="1300" b="1"/>
+                    </a:p>
+                  </a:txBody>
+                  <a:tcPr/>
+                </a:tc>
+                <a:tc>
+                  <a:txBody>
+                    <a:bodyPr/>
+                    <a:lstStyle/>
+                    <a:p>
+                      <a:pPr algn="ctr"/>
+                      <a:endParaRPr lang="es-PE" sz="1300" b="1" dirty="0"/>
+                    </a:p>
+                  </a:txBody>
+                  <a:tcPr/>
+                </a:tc>
+                <a:extLst>
+                  <a:ext uri="{0D108BD9-81ED-4DB2-BD59-A6C34878D82A}">
+                    <a16:rowId xmlns:a16="http://schemas.microsoft.com/office/drawing/2014/main" val="3216317057"/>
+                  </a:ext>
+                </a:extLst>
+              </a:tr>
+              <a:tr h="252229">
+                <a:tc>
+                  <a:txBody>
+                    <a:bodyPr/>
+                    <a:lstStyle/>
+                    <a:p>
+                      <a:r>
+                        <a:rPr lang="es-PE" sz="1200" dirty="0" smtClean="0"/>
+                        <a:t>Integración con Apple </a:t>
+                      </a:r>
+                      <a:r>
+                        <a:rPr lang="es-PE" sz="1200" dirty="0" err="1" smtClean="0"/>
+                        <a:t>Watch</a:t>
+                      </a:r>
+                      <a:endParaRPr lang="es-PE" sz="1200" dirty="0"/>
+                    </a:p>
+                  </a:txBody>
+                  <a:tcPr/>
+                </a:tc>
+                <a:tc>
+                  <a:txBody>
+                    <a:bodyPr/>
+                    <a:lstStyle/>
+                    <a:p>
+                      <a:pPr algn="ctr"/>
+                      <a:r>
+                        <a:rPr lang="es-PE" sz="1300" b="1" dirty="0" smtClean="0"/>
+                        <a:t>X</a:t>
+                      </a:r>
+                      <a:endParaRPr lang="es-PE" sz="1300" b="1" dirty="0"/>
+                    </a:p>
+                  </a:txBody>
+                  <a:tcPr/>
+                </a:tc>
+                <a:tc>
+                  <a:txBody>
+                    <a:bodyPr/>
+                    <a:lstStyle/>
+                    <a:p>
+                      <a:pPr algn="ctr"/>
+                      <a:endParaRPr lang="es-PE" sz="1300" b="1" dirty="0"/>
+                    </a:p>
+                  </a:txBody>
+                  <a:tcPr/>
+                </a:tc>
+                <a:tc>
+                  <a:txBody>
+                    <a:bodyPr/>
+                    <a:lstStyle/>
+                    <a:p>
+                      <a:pPr algn="ctr"/>
+                      <a:endParaRPr lang="es-PE" sz="1300" b="1" dirty="0"/>
+                    </a:p>
+                  </a:txBody>
+                  <a:tcPr/>
+                </a:tc>
+                <a:tc>
+                  <a:txBody>
+                    <a:bodyPr/>
+                    <a:lstStyle/>
+                    <a:p>
+                      <a:pPr algn="ctr"/>
+                      <a:endParaRPr lang="es-PE" sz="1300" b="1"/>
+                    </a:p>
+                  </a:txBody>
+                  <a:tcPr/>
+                </a:tc>
+                <a:tc>
+                  <a:txBody>
+                    <a:bodyPr/>
+                    <a:lstStyle/>
+                    <a:p>
+                      <a:pPr algn="ctr"/>
+                      <a:endParaRPr lang="es-PE" sz="1300" b="1"/>
+                    </a:p>
+                  </a:txBody>
+                  <a:tcPr/>
+                </a:tc>
+                <a:tc>
+                  <a:txBody>
+                    <a:bodyPr/>
+                    <a:lstStyle/>
+                    <a:p>
+                      <a:pPr algn="ctr"/>
+                      <a:endParaRPr lang="es-PE" sz="1300" b="1" dirty="0"/>
+                    </a:p>
+                  </a:txBody>
+                  <a:tcPr/>
+                </a:tc>
+                <a:extLst>
+                  <a:ext uri="{0D108BD9-81ED-4DB2-BD59-A6C34878D82A}">
+                    <a16:rowId xmlns:a16="http://schemas.microsoft.com/office/drawing/2014/main" val="3312119847"/>
+                  </a:ext>
+                </a:extLst>
+              </a:tr>
+              <a:tr h="294451">
+                <a:tc>
+                  <a:txBody>
+                    <a:bodyPr/>
+                    <a:lstStyle/>
+                    <a:p>
+                      <a:r>
+                        <a:rPr lang="es-PE" sz="1200" dirty="0" smtClean="0"/>
+                        <a:t>Comparte ubicación con amigos (</a:t>
+                      </a:r>
+                      <a:r>
+                        <a:rPr lang="es-PE" sz="1200" dirty="0" err="1" smtClean="0"/>
+                        <a:t>Buddy</a:t>
+                      </a:r>
+                      <a:r>
+                        <a:rPr lang="es-PE" sz="1200" dirty="0" smtClean="0"/>
+                        <a:t> </a:t>
+                      </a:r>
+                      <a:r>
+                        <a:rPr lang="es-PE" sz="1200" dirty="0" err="1" smtClean="0"/>
+                        <a:t>Beacon</a:t>
+                      </a:r>
+                      <a:r>
+                        <a:rPr lang="es-PE" sz="1200" dirty="0" smtClean="0"/>
+                        <a:t>)</a:t>
+                      </a:r>
+                      <a:endParaRPr lang="es-PE" sz="1200" dirty="0"/>
+                    </a:p>
+                  </a:txBody>
+                  <a:tcPr/>
+                </a:tc>
+                <a:tc>
+                  <a:txBody>
+                    <a:bodyPr/>
+                    <a:lstStyle/>
+                    <a:p>
+                      <a:pPr algn="ctr"/>
+                      <a:r>
+                        <a:rPr lang="es-PE" sz="1300" b="1" dirty="0" smtClean="0"/>
+                        <a:t>X</a:t>
+                      </a:r>
+                      <a:endParaRPr lang="es-PE" sz="1300" b="1" dirty="0"/>
+                    </a:p>
+                  </a:txBody>
+                  <a:tcPr/>
+                </a:tc>
+                <a:tc>
+                  <a:txBody>
+                    <a:bodyPr/>
+                    <a:lstStyle/>
+                    <a:p>
+                      <a:pPr algn="ctr"/>
+                      <a:endParaRPr lang="es-PE" sz="1300" b="1"/>
+                    </a:p>
+                  </a:txBody>
+                  <a:tcPr/>
+                </a:tc>
+                <a:tc>
+                  <a:txBody>
+                    <a:bodyPr/>
+                    <a:lstStyle/>
+                    <a:p>
+                      <a:pPr algn="ctr"/>
+                      <a:endParaRPr lang="es-PE" sz="1300" b="1" dirty="0"/>
+                    </a:p>
+                  </a:txBody>
+                  <a:tcPr/>
+                </a:tc>
+                <a:tc>
+                  <a:txBody>
+                    <a:bodyPr/>
+                    <a:lstStyle/>
+                    <a:p>
+                      <a:pPr algn="ctr"/>
+                      <a:endParaRPr lang="es-PE" sz="1300" b="1"/>
+                    </a:p>
+                  </a:txBody>
+                  <a:tcPr/>
+                </a:tc>
+                <a:tc>
+                  <a:txBody>
+                    <a:bodyPr/>
+                    <a:lstStyle/>
+                    <a:p>
+                      <a:pPr algn="ctr"/>
+                      <a:endParaRPr lang="es-PE" sz="1300" b="1"/>
+                    </a:p>
+                  </a:txBody>
+                  <a:tcPr/>
+                </a:tc>
+                <a:tc>
+                  <a:txBody>
+                    <a:bodyPr/>
+                    <a:lstStyle/>
+                    <a:p>
+                      <a:pPr algn="ctr"/>
+                      <a:r>
+                        <a:rPr lang="es-PE" sz="1300" b="1" dirty="0" smtClean="0"/>
+                        <a:t>X</a:t>
+                      </a:r>
+                      <a:endParaRPr lang="es-PE" sz="1300" b="1" dirty="0"/>
+                    </a:p>
+                  </a:txBody>
+                  <a:tcPr/>
+                </a:tc>
+                <a:extLst>
+                  <a:ext uri="{0D108BD9-81ED-4DB2-BD59-A6C34878D82A}">
+                    <a16:rowId xmlns:a16="http://schemas.microsoft.com/office/drawing/2014/main" val="4251375314"/>
+                  </a:ext>
+                </a:extLst>
+              </a:tr>
+              <a:tr h="259307">
+                <a:tc>
+                  <a:txBody>
+                    <a:bodyPr/>
+                    <a:lstStyle/>
+                    <a:p>
+                      <a:r>
+                        <a:rPr lang="es-PE" sz="1200" dirty="0" smtClean="0"/>
+                        <a:t>Tecnología de realidad aumentada (</a:t>
+                      </a:r>
+                      <a:r>
+                        <a:rPr lang="es-PE" sz="1200" dirty="0" err="1" smtClean="0"/>
+                        <a:t>Skyline</a:t>
+                      </a:r>
+                      <a:r>
+                        <a:rPr lang="es-PE" sz="1200" dirty="0" smtClean="0"/>
+                        <a:t>)</a:t>
+                      </a:r>
+                      <a:endParaRPr lang="es-PE" sz="1200" dirty="0"/>
+                    </a:p>
+                  </a:txBody>
+                  <a:tcPr/>
+                </a:tc>
+                <a:tc>
+                  <a:txBody>
+                    <a:bodyPr/>
+                    <a:lstStyle/>
+                    <a:p>
+                      <a:pPr algn="ctr"/>
+                      <a:r>
+                        <a:rPr lang="es-PE" sz="1300" b="1" dirty="0" smtClean="0"/>
+                        <a:t>X</a:t>
+                      </a:r>
+                      <a:endParaRPr lang="es-PE" sz="1300" b="1" dirty="0"/>
+                    </a:p>
+                  </a:txBody>
+                  <a:tcPr/>
+                </a:tc>
+                <a:tc>
+                  <a:txBody>
+                    <a:bodyPr/>
+                    <a:lstStyle/>
+                    <a:p>
+                      <a:pPr algn="ctr"/>
+                      <a:endParaRPr lang="es-PE" sz="1300" b="1"/>
+                    </a:p>
+                  </a:txBody>
+                  <a:tcPr/>
+                </a:tc>
+                <a:tc>
+                  <a:txBody>
+                    <a:bodyPr/>
+                    <a:lstStyle/>
+                    <a:p>
+                      <a:pPr algn="ctr"/>
+                      <a:endParaRPr lang="es-PE" sz="1300" b="1" dirty="0"/>
+                    </a:p>
+                  </a:txBody>
+                  <a:tcPr/>
+                </a:tc>
+                <a:tc>
+                  <a:txBody>
+                    <a:bodyPr/>
+                    <a:lstStyle/>
+                    <a:p>
+                      <a:pPr algn="ctr"/>
+                      <a:endParaRPr lang="es-PE" sz="1300" b="1" dirty="0"/>
+                    </a:p>
+                  </a:txBody>
+                  <a:tcPr/>
+                </a:tc>
+                <a:tc>
+                  <a:txBody>
+                    <a:bodyPr/>
+                    <a:lstStyle/>
+                    <a:p>
+                      <a:pPr algn="ctr"/>
+                      <a:endParaRPr lang="es-PE" sz="1300" b="1"/>
+                    </a:p>
+                  </a:txBody>
+                  <a:tcPr/>
+                </a:tc>
+                <a:tc>
+                  <a:txBody>
+                    <a:bodyPr/>
+                    <a:lstStyle/>
+                    <a:p>
+                      <a:pPr algn="ctr"/>
+                      <a:endParaRPr lang="es-PE" sz="1300" b="1" dirty="0"/>
+                    </a:p>
+                  </a:txBody>
+                  <a:tcPr/>
+                </a:tc>
+                <a:extLst>
+                  <a:ext uri="{0D108BD9-81ED-4DB2-BD59-A6C34878D82A}">
+                    <a16:rowId xmlns:a16="http://schemas.microsoft.com/office/drawing/2014/main" val="4066132453"/>
+                  </a:ext>
+                </a:extLst>
+              </a:tr>
+              <a:tr h="323538">
+                <a:tc>
+                  <a:txBody>
+                    <a:bodyPr/>
+                    <a:lstStyle/>
+                    <a:p>
+                      <a:r>
+                        <a:rPr lang="es-PE" sz="1200" dirty="0" smtClean="0"/>
+                        <a:t>Notificación de proximidad a un punto de paso.(lagos, picos, montañas, puntos clave)</a:t>
+                      </a:r>
+                      <a:endParaRPr lang="es-PE" sz="1200" dirty="0"/>
+                    </a:p>
+                  </a:txBody>
+                  <a:tcPr/>
+                </a:tc>
+                <a:tc>
+                  <a:txBody>
+                    <a:bodyPr/>
+                    <a:lstStyle/>
+                    <a:p>
+                      <a:pPr algn="ctr"/>
+                      <a:r>
+                        <a:rPr lang="es-PE" sz="1300" b="1" dirty="0" smtClean="0"/>
+                        <a:t>X</a:t>
+                      </a:r>
+                      <a:endParaRPr lang="es-PE" sz="1300" b="1" dirty="0"/>
+                    </a:p>
+                  </a:txBody>
+                  <a:tcPr/>
+                </a:tc>
+                <a:tc>
+                  <a:txBody>
+                    <a:bodyPr/>
+                    <a:lstStyle/>
+                    <a:p>
+                      <a:pPr algn="ctr"/>
+                      <a:endParaRPr lang="es-PE" sz="1300" b="1" dirty="0"/>
+                    </a:p>
+                  </a:txBody>
+                  <a:tcPr/>
+                </a:tc>
+                <a:tc>
+                  <a:txBody>
+                    <a:bodyPr/>
+                    <a:lstStyle/>
+                    <a:p>
+                      <a:pPr algn="ctr"/>
+                      <a:endParaRPr lang="es-PE" sz="1300" b="1" dirty="0"/>
+                    </a:p>
+                  </a:txBody>
+                  <a:tcPr/>
+                </a:tc>
+                <a:tc>
+                  <a:txBody>
+                    <a:bodyPr/>
+                    <a:lstStyle/>
+                    <a:p>
+                      <a:pPr algn="ctr"/>
+                      <a:endParaRPr lang="es-PE" sz="1300" b="1" dirty="0"/>
+                    </a:p>
+                  </a:txBody>
+                  <a:tcPr/>
+                </a:tc>
+                <a:tc>
+                  <a:txBody>
+                    <a:bodyPr/>
+                    <a:lstStyle/>
+                    <a:p>
+                      <a:pPr algn="ctr"/>
+                      <a:endParaRPr lang="es-PE" sz="1300" b="1"/>
+                    </a:p>
+                  </a:txBody>
+                  <a:tcPr/>
+                </a:tc>
+                <a:tc>
+                  <a:txBody>
+                    <a:bodyPr/>
+                    <a:lstStyle/>
+                    <a:p>
+                      <a:pPr algn="ctr"/>
+                      <a:endParaRPr lang="es-PE" sz="1300" b="1" dirty="0"/>
+                    </a:p>
+                  </a:txBody>
+                  <a:tcPr/>
+                </a:tc>
+                <a:extLst>
+                  <a:ext uri="{0D108BD9-81ED-4DB2-BD59-A6C34878D82A}">
+                    <a16:rowId xmlns:a16="http://schemas.microsoft.com/office/drawing/2014/main" val="2323530548"/>
+                  </a:ext>
+                </a:extLst>
+              </a:tr>
+              <a:tr h="286603">
+                <a:tc>
+                  <a:txBody>
+                    <a:bodyPr/>
+                    <a:lstStyle/>
+                    <a:p>
+                      <a:r>
+                        <a:rPr lang="es-PE" sz="1200" dirty="0" smtClean="0"/>
+                        <a:t>Mapas gratis y de pago, incluye</a:t>
+                      </a:r>
+                      <a:r>
+                        <a:rPr lang="es-PE" sz="1200" baseline="0" dirty="0" smtClean="0"/>
+                        <a:t> topográficos.</a:t>
+                      </a:r>
+                      <a:endParaRPr lang="es-PE" sz="1200" dirty="0"/>
+                    </a:p>
+                  </a:txBody>
+                  <a:tcPr/>
+                </a:tc>
+                <a:tc>
+                  <a:txBody>
+                    <a:bodyPr/>
+                    <a:lstStyle/>
+                    <a:p>
+                      <a:pPr algn="ctr"/>
+                      <a:r>
+                        <a:rPr lang="es-PE" sz="1300" b="1" dirty="0" smtClean="0"/>
+                        <a:t>X</a:t>
+                      </a:r>
+                      <a:endParaRPr lang="es-PE" sz="1300" b="1" dirty="0"/>
+                    </a:p>
+                  </a:txBody>
+                  <a:tcPr/>
+                </a:tc>
+                <a:tc>
+                  <a:txBody>
+                    <a:bodyPr/>
+                    <a:lstStyle/>
+                    <a:p>
+                      <a:pPr algn="ctr"/>
+                      <a:r>
+                        <a:rPr lang="es-PE" sz="1300" b="1" dirty="0" smtClean="0"/>
+                        <a:t>X</a:t>
+                      </a:r>
+                      <a:endParaRPr lang="es-PE" sz="1300" b="1" dirty="0"/>
+                    </a:p>
+                  </a:txBody>
+                  <a:tcPr/>
+                </a:tc>
+                <a:tc>
+                  <a:txBody>
+                    <a:bodyPr/>
+                    <a:lstStyle/>
+                    <a:p>
+                      <a:pPr algn="ctr"/>
+                      <a:endParaRPr lang="es-PE" sz="1300" b="1"/>
+                    </a:p>
+                  </a:txBody>
+                  <a:tcPr/>
+                </a:tc>
+                <a:tc>
+                  <a:txBody>
+                    <a:bodyPr/>
+                    <a:lstStyle/>
+                    <a:p>
+                      <a:pPr algn="ctr"/>
+                      <a:endParaRPr lang="es-PE" sz="1300" b="1" dirty="0"/>
+                    </a:p>
+                  </a:txBody>
+                  <a:tcPr/>
+                </a:tc>
+                <a:tc>
+                  <a:txBody>
+                    <a:bodyPr/>
+                    <a:lstStyle/>
+                    <a:p>
+                      <a:pPr algn="ctr"/>
+                      <a:endParaRPr lang="es-PE" sz="1300" b="1"/>
+                    </a:p>
+                  </a:txBody>
+                  <a:tcPr/>
+                </a:tc>
+                <a:tc>
+                  <a:txBody>
+                    <a:bodyPr/>
+                    <a:lstStyle/>
+                    <a:p>
+                      <a:pPr algn="ctr"/>
+                      <a:endParaRPr lang="es-PE" sz="1300" b="1" dirty="0"/>
+                    </a:p>
+                  </a:txBody>
+                  <a:tcPr/>
+                </a:tc>
+                <a:extLst>
+                  <a:ext uri="{0D108BD9-81ED-4DB2-BD59-A6C34878D82A}">
+                    <a16:rowId xmlns:a16="http://schemas.microsoft.com/office/drawing/2014/main" val="3632369239"/>
+                  </a:ext>
+                </a:extLst>
+              </a:tr>
+              <a:tr h="300250">
+                <a:tc>
+                  <a:txBody>
+                    <a:bodyPr/>
+                    <a:lstStyle/>
+                    <a:p>
+                      <a:r>
+                        <a:rPr lang="es-PE" sz="1200" dirty="0" smtClean="0"/>
+                        <a:t>Posee  estadísticas y gráficas (Crea tu propio </a:t>
+                      </a:r>
+                      <a:r>
+                        <a:rPr lang="es-PE" sz="1200" dirty="0" err="1" smtClean="0"/>
+                        <a:t>dashboard</a:t>
+                      </a:r>
+                      <a:r>
+                        <a:rPr lang="es-PE" sz="1200" dirty="0" smtClean="0"/>
+                        <a:t>)</a:t>
+                      </a:r>
+                      <a:endParaRPr lang="es-PE" sz="1200" dirty="0"/>
+                    </a:p>
+                  </a:txBody>
+                  <a:tcPr/>
+                </a:tc>
+                <a:tc>
+                  <a:txBody>
+                    <a:bodyPr/>
+                    <a:lstStyle/>
+                    <a:p>
+                      <a:pPr algn="ctr"/>
+                      <a:r>
+                        <a:rPr lang="es-PE" sz="1300" b="1" dirty="0" smtClean="0"/>
+                        <a:t>X</a:t>
+                      </a:r>
+                      <a:endParaRPr lang="es-PE" sz="1300" b="1" dirty="0"/>
+                    </a:p>
+                  </a:txBody>
+                  <a:tcPr/>
+                </a:tc>
+                <a:tc>
+                  <a:txBody>
+                    <a:bodyPr/>
+                    <a:lstStyle/>
+                    <a:p>
+                      <a:pPr algn="ctr"/>
+                      <a:r>
+                        <a:rPr lang="es-PE" sz="1300" b="1" dirty="0" smtClean="0"/>
+                        <a:t>X</a:t>
+                      </a:r>
+                      <a:endParaRPr lang="es-PE" sz="1300" b="1" dirty="0"/>
+                    </a:p>
+                  </a:txBody>
+                  <a:tcPr/>
+                </a:tc>
+                <a:tc>
+                  <a:txBody>
+                    <a:bodyPr/>
+                    <a:lstStyle/>
+                    <a:p>
+                      <a:pPr algn="ctr"/>
+                      <a:r>
+                        <a:rPr lang="es-PE" sz="1300" b="1" dirty="0" smtClean="0"/>
+                        <a:t>X</a:t>
+                      </a:r>
+                      <a:endParaRPr lang="es-PE" sz="1300" b="1" dirty="0"/>
+                    </a:p>
+                  </a:txBody>
+                  <a:tcPr/>
+                </a:tc>
+                <a:tc>
+                  <a:txBody>
+                    <a:bodyPr/>
+                    <a:lstStyle/>
+                    <a:p>
+                      <a:pPr algn="ctr"/>
+                      <a:r>
+                        <a:rPr lang="es-PE" sz="1300" b="1" dirty="0" smtClean="0"/>
+                        <a:t>X</a:t>
+                      </a:r>
+                      <a:endParaRPr lang="es-PE" sz="1300" b="1" dirty="0"/>
+                    </a:p>
+                  </a:txBody>
+                  <a:tcPr/>
+                </a:tc>
+                <a:tc>
+                  <a:txBody>
+                    <a:bodyPr/>
+                    <a:lstStyle/>
+                    <a:p>
+                      <a:pPr algn="ctr"/>
+                      <a:endParaRPr lang="es-PE" sz="1300" b="1" dirty="0"/>
+                    </a:p>
+                  </a:txBody>
+                  <a:tcPr/>
+                </a:tc>
+                <a:tc>
+                  <a:txBody>
+                    <a:bodyPr/>
+                    <a:lstStyle/>
+                    <a:p>
+                      <a:pPr algn="ctr"/>
+                      <a:endParaRPr lang="es-PE" sz="1300" b="1" dirty="0"/>
+                    </a:p>
+                  </a:txBody>
+                  <a:tcPr/>
+                </a:tc>
+                <a:extLst>
+                  <a:ext uri="{0D108BD9-81ED-4DB2-BD59-A6C34878D82A}">
+                    <a16:rowId xmlns:a16="http://schemas.microsoft.com/office/drawing/2014/main" val="1070590905"/>
+                  </a:ext>
+                </a:extLst>
+              </a:tr>
+              <a:tr h="286603">
+                <a:tc>
+                  <a:txBody>
+                    <a:bodyPr/>
+                    <a:lstStyle/>
+                    <a:p>
+                      <a:r>
+                        <a:rPr lang="es-PE" sz="1200" dirty="0" smtClean="0"/>
+                        <a:t>Agrega manualmente puntos de interés. Estos se generan automáticamente</a:t>
+                      </a:r>
+                      <a:endParaRPr lang="es-PE" sz="1200" dirty="0"/>
+                    </a:p>
+                  </a:txBody>
+                  <a:tcPr/>
+                </a:tc>
+                <a:tc>
+                  <a:txBody>
+                    <a:bodyPr/>
+                    <a:lstStyle/>
+                    <a:p>
+                      <a:pPr algn="ctr"/>
+                      <a:r>
+                        <a:rPr lang="es-PE" sz="1300" b="1" dirty="0" smtClean="0"/>
+                        <a:t>X</a:t>
+                      </a:r>
+                      <a:endParaRPr lang="es-PE" sz="1300" b="1" dirty="0"/>
+                    </a:p>
+                  </a:txBody>
+                  <a:tcPr/>
+                </a:tc>
+                <a:tc>
+                  <a:txBody>
+                    <a:bodyPr/>
+                    <a:lstStyle/>
+                    <a:p>
+                      <a:pPr algn="ctr"/>
+                      <a:r>
+                        <a:rPr lang="es-PE" sz="1300" b="1" dirty="0" smtClean="0"/>
+                        <a:t>X</a:t>
+                      </a:r>
+                      <a:endParaRPr lang="es-PE" sz="1300" b="1" dirty="0"/>
+                    </a:p>
+                  </a:txBody>
+                  <a:tcPr/>
+                </a:tc>
+                <a:tc>
+                  <a:txBody>
+                    <a:bodyPr/>
+                    <a:lstStyle/>
+                    <a:p>
+                      <a:pPr algn="ctr"/>
+                      <a:endParaRPr lang="es-PE" sz="1300" b="1"/>
+                    </a:p>
+                  </a:txBody>
+                  <a:tcPr/>
+                </a:tc>
+                <a:tc>
+                  <a:txBody>
+                    <a:bodyPr/>
+                    <a:lstStyle/>
+                    <a:p>
+                      <a:pPr algn="ctr"/>
+                      <a:endParaRPr lang="es-PE" sz="1300" b="1" dirty="0"/>
+                    </a:p>
+                  </a:txBody>
+                  <a:tcPr/>
+                </a:tc>
+                <a:tc>
+                  <a:txBody>
+                    <a:bodyPr/>
+                    <a:lstStyle/>
+                    <a:p>
+                      <a:pPr algn="ctr"/>
+                      <a:endParaRPr lang="es-PE" sz="1300" b="1" dirty="0"/>
+                    </a:p>
+                  </a:txBody>
+                  <a:tcPr/>
+                </a:tc>
+                <a:tc>
+                  <a:txBody>
+                    <a:bodyPr/>
+                    <a:lstStyle/>
+                    <a:p>
+                      <a:pPr algn="ctr"/>
+                      <a:endParaRPr lang="es-PE" sz="1300" b="1" dirty="0"/>
+                    </a:p>
+                  </a:txBody>
+                  <a:tcPr/>
+                </a:tc>
+                <a:extLst>
+                  <a:ext uri="{0D108BD9-81ED-4DB2-BD59-A6C34878D82A}">
+                    <a16:rowId xmlns:a16="http://schemas.microsoft.com/office/drawing/2014/main" val="2567585888"/>
+                  </a:ext>
+                </a:extLst>
+              </a:tr>
+              <a:tr h="270908">
+                <a:tc>
+                  <a:txBody>
+                    <a:bodyPr/>
+                    <a:lstStyle/>
+                    <a:p>
+                      <a:r>
+                        <a:rPr lang="es-PE" sz="1200" dirty="0" smtClean="0"/>
+                        <a:t>Descubre y crea nuevas rutas.</a:t>
+                      </a:r>
+                      <a:endParaRPr lang="es-PE" sz="1200" dirty="0"/>
+                    </a:p>
+                  </a:txBody>
+                  <a:tcPr/>
+                </a:tc>
+                <a:tc>
+                  <a:txBody>
+                    <a:bodyPr/>
+                    <a:lstStyle/>
+                    <a:p>
+                      <a:pPr algn="ctr"/>
+                      <a:r>
+                        <a:rPr lang="es-PE" sz="1300" b="1" dirty="0" smtClean="0"/>
+                        <a:t>X</a:t>
+                      </a:r>
+                      <a:endParaRPr lang="es-PE" sz="1300" b="1" dirty="0"/>
+                    </a:p>
+                  </a:txBody>
+                  <a:tcPr/>
+                </a:tc>
+                <a:tc>
+                  <a:txBody>
+                    <a:bodyPr/>
+                    <a:lstStyle/>
+                    <a:p>
+                      <a:pPr algn="ctr"/>
+                      <a:r>
+                        <a:rPr lang="es-PE" sz="1300" b="1" dirty="0" smtClean="0"/>
+                        <a:t>X</a:t>
+                      </a:r>
+                      <a:endParaRPr lang="es-PE" sz="1300" b="1" dirty="0"/>
+                    </a:p>
+                  </a:txBody>
+                  <a:tcPr/>
+                </a:tc>
+                <a:tc>
+                  <a:txBody>
+                    <a:bodyPr/>
+                    <a:lstStyle/>
+                    <a:p>
+                      <a:pPr algn="ctr"/>
+                      <a:r>
+                        <a:rPr lang="es-PE" sz="1300" b="1" dirty="0" smtClean="0"/>
+                        <a:t>X</a:t>
+                      </a:r>
+                      <a:endParaRPr lang="es-PE" sz="1300" b="1" dirty="0"/>
+                    </a:p>
+                  </a:txBody>
+                  <a:tcPr/>
+                </a:tc>
+                <a:tc>
+                  <a:txBody>
+                    <a:bodyPr/>
+                    <a:lstStyle/>
+                    <a:p>
+                      <a:pPr algn="ctr"/>
+                      <a:r>
+                        <a:rPr lang="es-PE" sz="1300" b="1" dirty="0" smtClean="0"/>
+                        <a:t>X</a:t>
+                      </a:r>
+                      <a:endParaRPr lang="es-PE" sz="1300" b="1" dirty="0"/>
+                    </a:p>
+                  </a:txBody>
+                  <a:tcPr/>
+                </a:tc>
+                <a:tc>
+                  <a:txBody>
+                    <a:bodyPr/>
+                    <a:lstStyle/>
+                    <a:p>
+                      <a:pPr algn="ctr"/>
+                      <a:endParaRPr lang="es-PE" sz="1300" b="1" dirty="0"/>
+                    </a:p>
+                  </a:txBody>
+                  <a:tcPr/>
+                </a:tc>
+                <a:tc>
+                  <a:txBody>
+                    <a:bodyPr/>
+                    <a:lstStyle/>
+                    <a:p>
+                      <a:pPr algn="ctr"/>
+                      <a:endParaRPr lang="es-PE" sz="1300" b="1" dirty="0"/>
+                    </a:p>
+                  </a:txBody>
+                  <a:tcPr/>
+                </a:tc>
+                <a:extLst>
+                  <a:ext uri="{0D108BD9-81ED-4DB2-BD59-A6C34878D82A}">
+                    <a16:rowId xmlns:a16="http://schemas.microsoft.com/office/drawing/2014/main" val="2241247269"/>
+                  </a:ext>
+                </a:extLst>
+              </a:tr>
+              <a:tr h="286603">
+                <a:tc>
+                  <a:txBody>
+                    <a:bodyPr/>
+                    <a:lstStyle/>
+                    <a:p>
+                      <a:r>
+                        <a:rPr lang="es-PE" sz="1200" dirty="0" smtClean="0"/>
+                        <a:t>Seguimiento GPS y mapa en tiempo real</a:t>
+                      </a:r>
+                      <a:endParaRPr lang="es-PE" sz="1200" dirty="0"/>
+                    </a:p>
+                  </a:txBody>
+                  <a:tcPr/>
+                </a:tc>
+                <a:tc>
+                  <a:txBody>
+                    <a:bodyPr/>
+                    <a:lstStyle/>
+                    <a:p>
+                      <a:pPr algn="ctr"/>
+                      <a:r>
+                        <a:rPr lang="es-PE" sz="1300" b="1" dirty="0" smtClean="0"/>
+                        <a:t>X</a:t>
+                      </a:r>
+                      <a:endParaRPr lang="es-PE" sz="1300" b="1" dirty="0"/>
+                    </a:p>
+                  </a:txBody>
+                  <a:tcPr/>
+                </a:tc>
+                <a:tc>
+                  <a:txBody>
+                    <a:bodyPr/>
+                    <a:lstStyle/>
+                    <a:p>
+                      <a:pPr algn="ctr"/>
+                      <a:r>
+                        <a:rPr lang="es-PE" sz="1300" b="1" dirty="0" smtClean="0"/>
+                        <a:t>X</a:t>
+                      </a:r>
+                      <a:endParaRPr lang="es-PE" sz="1300" b="1" dirty="0"/>
+                    </a:p>
+                  </a:txBody>
+                  <a:tcPr/>
+                </a:tc>
+                <a:tc>
+                  <a:txBody>
+                    <a:bodyPr/>
+                    <a:lstStyle/>
+                    <a:p>
+                      <a:pPr algn="ctr"/>
+                      <a:r>
+                        <a:rPr lang="es-PE" sz="1300" b="1" dirty="0" smtClean="0"/>
+                        <a:t>X</a:t>
+                      </a:r>
+                      <a:endParaRPr lang="es-PE" sz="1300" b="1" dirty="0"/>
+                    </a:p>
+                  </a:txBody>
+                  <a:tcPr/>
+                </a:tc>
+                <a:tc>
+                  <a:txBody>
+                    <a:bodyPr/>
+                    <a:lstStyle/>
+                    <a:p>
+                      <a:pPr algn="ctr"/>
+                      <a:r>
+                        <a:rPr lang="es-PE" sz="1300" b="1" dirty="0" smtClean="0"/>
+                        <a:t>X</a:t>
+                      </a:r>
+                      <a:endParaRPr lang="es-PE" sz="1300" b="1" dirty="0"/>
+                    </a:p>
+                  </a:txBody>
+                  <a:tcPr/>
+                </a:tc>
+                <a:tc>
+                  <a:txBody>
+                    <a:bodyPr/>
+                    <a:lstStyle/>
+                    <a:p>
+                      <a:pPr algn="ctr"/>
+                      <a:endParaRPr lang="es-PE" sz="1300" b="1" dirty="0"/>
+                    </a:p>
+                  </a:txBody>
+                  <a:tcPr/>
+                </a:tc>
+                <a:tc>
+                  <a:txBody>
+                    <a:bodyPr/>
+                    <a:lstStyle/>
+                    <a:p>
+                      <a:pPr algn="ctr"/>
+                      <a:endParaRPr lang="es-PE" sz="1300" b="1" dirty="0"/>
+                    </a:p>
+                  </a:txBody>
+                  <a:tcPr/>
+                </a:tc>
+                <a:extLst>
+                  <a:ext uri="{0D108BD9-81ED-4DB2-BD59-A6C34878D82A}">
+                    <a16:rowId xmlns:a16="http://schemas.microsoft.com/office/drawing/2014/main" val="2655927861"/>
+                  </a:ext>
+                </a:extLst>
+              </a:tr>
+              <a:tr h="440542">
+                <a:tc>
+                  <a:txBody>
+                    <a:bodyPr/>
+                    <a:lstStyle/>
+                    <a:p>
+                      <a:r>
+                        <a:rPr lang="es-PE" sz="1200" dirty="0" smtClean="0"/>
+                        <a:t>Variedad de deportes como correr, ciclismo urbano y de montaña, senderismo, kayak, esquí de fondo y más de 40 deportes más.</a:t>
+                      </a:r>
+                      <a:endParaRPr lang="es-PE" sz="1200" dirty="0"/>
+                    </a:p>
+                  </a:txBody>
+                  <a:tcPr/>
+                </a:tc>
+                <a:tc>
+                  <a:txBody>
+                    <a:bodyPr/>
+                    <a:lstStyle/>
+                    <a:p>
+                      <a:pPr algn="ctr"/>
+                      <a:r>
+                        <a:rPr lang="es-PE" sz="1300" b="1" dirty="0" smtClean="0"/>
+                        <a:t>X</a:t>
+                      </a:r>
+                      <a:endParaRPr lang="es-PE" sz="1300" b="1" dirty="0"/>
+                    </a:p>
+                  </a:txBody>
+                  <a:tcPr/>
+                </a:tc>
+                <a:tc>
+                  <a:txBody>
+                    <a:bodyPr/>
+                    <a:lstStyle/>
+                    <a:p>
+                      <a:pPr algn="ctr"/>
+                      <a:r>
+                        <a:rPr lang="es-PE" sz="1300" b="1" dirty="0" smtClean="0"/>
+                        <a:t>X</a:t>
+                      </a:r>
+                      <a:endParaRPr lang="es-PE" sz="1300" b="1" dirty="0"/>
+                    </a:p>
+                  </a:txBody>
+                  <a:tcPr/>
+                </a:tc>
+                <a:tc>
+                  <a:txBody>
+                    <a:bodyPr/>
+                    <a:lstStyle/>
+                    <a:p>
+                      <a:pPr algn="ctr"/>
+                      <a:r>
+                        <a:rPr lang="es-PE" sz="1300" b="1" dirty="0" smtClean="0"/>
+                        <a:t>X</a:t>
+                      </a:r>
+                      <a:endParaRPr lang="es-PE" sz="1300" b="1" dirty="0"/>
+                    </a:p>
+                  </a:txBody>
+                  <a:tcPr/>
+                </a:tc>
+                <a:tc>
+                  <a:txBody>
+                    <a:bodyPr/>
+                    <a:lstStyle/>
+                    <a:p>
+                      <a:pPr algn="ctr"/>
+                      <a:r>
+                        <a:rPr lang="es-PE" sz="1300" b="1" dirty="0" smtClean="0"/>
+                        <a:t>X</a:t>
+                      </a:r>
+                      <a:endParaRPr lang="es-PE" sz="1300" b="1" dirty="0"/>
+                    </a:p>
+                  </a:txBody>
+                  <a:tcPr/>
+                </a:tc>
+                <a:tc>
+                  <a:txBody>
+                    <a:bodyPr/>
+                    <a:lstStyle/>
+                    <a:p>
+                      <a:pPr algn="ctr"/>
+                      <a:r>
+                        <a:rPr lang="es-PE" sz="1300" b="1" dirty="0" smtClean="0"/>
+                        <a:t>X</a:t>
+                      </a:r>
+                      <a:endParaRPr lang="es-PE" sz="1300" b="1" dirty="0"/>
+                    </a:p>
+                  </a:txBody>
+                  <a:tcPr/>
+                </a:tc>
+                <a:tc>
+                  <a:txBody>
+                    <a:bodyPr/>
+                    <a:lstStyle/>
+                    <a:p>
+                      <a:pPr algn="ctr"/>
+                      <a:endParaRPr lang="es-PE" sz="1300" b="1" dirty="0"/>
+                    </a:p>
+                  </a:txBody>
+                  <a:tcPr/>
+                </a:tc>
+                <a:extLst>
+                  <a:ext uri="{0D108BD9-81ED-4DB2-BD59-A6C34878D82A}">
+                    <a16:rowId xmlns:a16="http://schemas.microsoft.com/office/drawing/2014/main" val="1852140548"/>
+                  </a:ext>
+                </a:extLst>
+              </a:tr>
+              <a:tr h="286603">
+                <a:tc>
+                  <a:txBody>
+                    <a:bodyPr/>
+                    <a:lstStyle/>
+                    <a:p>
+                      <a:r>
+                        <a:rPr lang="es-PE" sz="1200" dirty="0" smtClean="0"/>
+                        <a:t>Sigue a otros usuarios</a:t>
+                      </a:r>
+                      <a:endParaRPr lang="es-PE" sz="1200" dirty="0"/>
+                    </a:p>
+                  </a:txBody>
+                  <a:tcPr/>
+                </a:tc>
+                <a:tc>
+                  <a:txBody>
+                    <a:bodyPr/>
+                    <a:lstStyle/>
+                    <a:p>
+                      <a:pPr algn="ctr"/>
+                      <a:r>
+                        <a:rPr lang="es-PE" sz="1300" b="1" dirty="0" smtClean="0"/>
+                        <a:t>X</a:t>
+                      </a:r>
+                      <a:endParaRPr lang="es-PE" sz="1300" b="1" dirty="0"/>
+                    </a:p>
+                  </a:txBody>
+                  <a:tcPr/>
+                </a:tc>
+                <a:tc>
+                  <a:txBody>
+                    <a:bodyPr/>
+                    <a:lstStyle/>
+                    <a:p>
+                      <a:pPr algn="ctr"/>
+                      <a:r>
+                        <a:rPr lang="es-PE" sz="1300" b="1" dirty="0" smtClean="0"/>
+                        <a:t>X</a:t>
+                      </a:r>
+                      <a:endParaRPr lang="es-PE" sz="1300" b="1" dirty="0"/>
+                    </a:p>
+                  </a:txBody>
+                  <a:tcPr/>
+                </a:tc>
+                <a:tc>
+                  <a:txBody>
+                    <a:bodyPr/>
+                    <a:lstStyle/>
+                    <a:p>
+                      <a:pPr algn="ctr"/>
+                      <a:endParaRPr lang="es-PE" sz="1300" b="1" dirty="0"/>
+                    </a:p>
+                  </a:txBody>
+                  <a:tcPr/>
+                </a:tc>
+                <a:tc>
+                  <a:txBody>
+                    <a:bodyPr/>
+                    <a:lstStyle/>
+                    <a:p>
+                      <a:pPr algn="ctr"/>
+                      <a:r>
+                        <a:rPr lang="es-PE" sz="1300" b="1" dirty="0" smtClean="0"/>
+                        <a:t>X</a:t>
+                      </a:r>
+                      <a:endParaRPr lang="es-PE" sz="1300" b="1" dirty="0"/>
+                    </a:p>
+                  </a:txBody>
+                  <a:tcPr/>
+                </a:tc>
+                <a:tc>
+                  <a:txBody>
+                    <a:bodyPr/>
+                    <a:lstStyle/>
+                    <a:p>
+                      <a:pPr algn="ctr"/>
+                      <a:r>
+                        <a:rPr lang="es-PE" sz="1300" b="1" dirty="0" smtClean="0"/>
+                        <a:t>X</a:t>
+                      </a:r>
+                      <a:endParaRPr lang="es-PE" sz="1300" b="1" dirty="0"/>
+                    </a:p>
+                  </a:txBody>
+                  <a:tcPr/>
+                </a:tc>
+                <a:tc>
+                  <a:txBody>
+                    <a:bodyPr/>
+                    <a:lstStyle/>
+                    <a:p>
+                      <a:pPr algn="ctr"/>
+                      <a:r>
+                        <a:rPr lang="es-PE" sz="1300" b="1" dirty="0" smtClean="0"/>
+                        <a:t>X</a:t>
+                      </a:r>
+                      <a:endParaRPr lang="es-PE" sz="1300" b="1" dirty="0"/>
+                    </a:p>
+                  </a:txBody>
+                  <a:tcPr/>
+                </a:tc>
+                <a:extLst>
+                  <a:ext uri="{0D108BD9-81ED-4DB2-BD59-A6C34878D82A}">
+                    <a16:rowId xmlns:a16="http://schemas.microsoft.com/office/drawing/2014/main" val="986910940"/>
+                  </a:ext>
+                </a:extLst>
+              </a:tr>
+              <a:tr h="247115">
+                <a:tc>
+                  <a:txBody>
+                    <a:bodyPr/>
+                    <a:lstStyle/>
+                    <a:p>
+                      <a:r>
+                        <a:rPr lang="es-PE" sz="1200" dirty="0" smtClean="0"/>
+                        <a:t>Filtrar búsqueda por accesible para perros, niños o silla de ruedas.</a:t>
+                      </a:r>
+                      <a:endParaRPr lang="es-PE" sz="1200" dirty="0"/>
+                    </a:p>
+                  </a:txBody>
+                  <a:tcPr/>
+                </a:tc>
+                <a:tc>
+                  <a:txBody>
+                    <a:bodyPr/>
+                    <a:lstStyle/>
+                    <a:p>
+                      <a:pPr algn="ctr"/>
+                      <a:endParaRPr lang="es-PE" sz="1300" b="1" dirty="0"/>
+                    </a:p>
+                  </a:txBody>
+                  <a:tcPr/>
+                </a:tc>
+                <a:tc>
+                  <a:txBody>
+                    <a:bodyPr/>
+                    <a:lstStyle/>
+                    <a:p>
+                      <a:pPr algn="ctr"/>
+                      <a:endParaRPr lang="es-PE" sz="1300" b="1" dirty="0"/>
+                    </a:p>
+                  </a:txBody>
+                  <a:tcPr/>
+                </a:tc>
+                <a:tc>
+                  <a:txBody>
+                    <a:bodyPr/>
+                    <a:lstStyle/>
+                    <a:p>
+                      <a:pPr algn="ctr"/>
+                      <a:endParaRPr lang="es-PE" sz="1300" b="1" dirty="0"/>
+                    </a:p>
+                  </a:txBody>
+                  <a:tcPr/>
+                </a:tc>
+                <a:tc>
+                  <a:txBody>
+                    <a:bodyPr/>
+                    <a:lstStyle/>
+                    <a:p>
+                      <a:pPr algn="ctr"/>
+                      <a:r>
+                        <a:rPr lang="es-PE" sz="1300" b="1" dirty="0" smtClean="0"/>
+                        <a:t>X</a:t>
+                      </a:r>
+                      <a:endParaRPr lang="es-PE" sz="1300" b="1" dirty="0"/>
+                    </a:p>
+                  </a:txBody>
+                  <a:tcPr/>
+                </a:tc>
+                <a:tc>
+                  <a:txBody>
+                    <a:bodyPr/>
+                    <a:lstStyle/>
+                    <a:p>
+                      <a:pPr algn="ctr"/>
+                      <a:endParaRPr lang="es-PE" sz="1300" b="1" dirty="0"/>
+                    </a:p>
+                  </a:txBody>
+                  <a:tcPr/>
+                </a:tc>
+                <a:tc>
+                  <a:txBody>
+                    <a:bodyPr/>
+                    <a:lstStyle/>
+                    <a:p>
+                      <a:pPr algn="ctr"/>
+                      <a:endParaRPr lang="es-PE" sz="1300" b="1" dirty="0"/>
+                    </a:p>
+                  </a:txBody>
+                  <a:tcPr/>
+                </a:tc>
+                <a:extLst>
+                  <a:ext uri="{0D108BD9-81ED-4DB2-BD59-A6C34878D82A}">
+                    <a16:rowId xmlns:a16="http://schemas.microsoft.com/office/drawing/2014/main" val="3530151787"/>
+                  </a:ext>
+                </a:extLst>
+              </a:tr>
+            </a:tbl>
+          </a:graphicData>
+        </a:graphic>
+      </p:graphicFrame>
+      <p:pic>
+        <p:nvPicPr>
+          <p:cNvPr id="1030" name="Picture 6" descr="Resultado de imagen para viewranger png"/>
+          <p:cNvPicPr>
+            <a:picLocks noChangeAspect="1" noChangeArrowheads="1"/>
+          </p:cNvPicPr>
+          <p:nvPr/>
+        </p:nvPicPr>
+        <p:blipFill>
+          <a:blip r:embed="rId2" cstate="print">
+            <a:extLst>
+              <a:ext uri="{28A0092B-C50C-407E-A947-70E740481C1C}">
+                <a14:useLocalDpi xmlns:a14="http://schemas.microsoft.com/office/drawing/2010/main" val="0"/>
+              </a:ext>
+            </a:extLst>
+          </a:blip>
+          <a:srcRect/>
+          <a:stretch>
+            <a:fillRect/>
+          </a:stretch>
+        </p:blipFill>
+        <p:spPr bwMode="auto">
+          <a:xfrm>
+            <a:off x="7687727" y="237322"/>
+            <a:ext cx="720000" cy="720000"/>
+          </a:xfrm>
+          <a:prstGeom prst="rect">
+            <a:avLst/>
+          </a:prstGeom>
+          <a:noFill/>
+          <a:extLst>
+            <a:ext uri="{909E8E84-426E-40DD-AFC4-6F175D3DCCD1}">
+              <a14:hiddenFill xmlns:a14="http://schemas.microsoft.com/office/drawing/2010/main">
+                <a:solidFill>
+                  <a:srgbClr val="FFFFFF"/>
+                </a:solidFill>
+              </a14:hiddenFill>
+            </a:ext>
+          </a:extLst>
+        </p:spPr>
+      </p:pic>
+      <p:pic>
+        <p:nvPicPr>
+          <p:cNvPr id="1032" name="Picture 8" descr="Resultado de imagen para mytrails png"/>
+          <p:cNvPicPr>
+            <a:picLocks noChangeAspect="1" noChangeArrowheads="1"/>
+          </p:cNvPicPr>
+          <p:nvPr/>
+        </p:nvPicPr>
+        <p:blipFill>
+          <a:blip r:embed="rId3" cstate="print">
+            <a:extLst>
+              <a:ext uri="{28A0092B-C50C-407E-A947-70E740481C1C}">
+                <a14:useLocalDpi xmlns:a14="http://schemas.microsoft.com/office/drawing/2010/main" val="0"/>
+              </a:ext>
+            </a:extLst>
+          </a:blip>
+          <a:srcRect/>
+          <a:stretch>
+            <a:fillRect/>
+          </a:stretch>
+        </p:blipFill>
+        <p:spPr bwMode="auto">
+          <a:xfrm>
+            <a:off x="8693719" y="228006"/>
+            <a:ext cx="720000" cy="720000"/>
+          </a:xfrm>
+          <a:prstGeom prst="rect">
+            <a:avLst/>
+          </a:prstGeom>
+          <a:noFill/>
+          <a:extLst>
+            <a:ext uri="{909E8E84-426E-40DD-AFC4-6F175D3DCCD1}">
+              <a14:hiddenFill xmlns:a14="http://schemas.microsoft.com/office/drawing/2010/main">
+                <a:solidFill>
+                  <a:srgbClr val="FFFFFF"/>
+                </a:solidFill>
+              </a14:hiddenFill>
+            </a:ext>
+          </a:extLst>
+        </p:spPr>
+      </p:pic>
+      <p:pic>
+        <p:nvPicPr>
+          <p:cNvPr id="1036" name="Picture 12" descr="Resultado de imagen para ENDOMONDO  png"/>
+          <p:cNvPicPr>
+            <a:picLocks noChangeAspect="1" noChangeArrowheads="1"/>
+          </p:cNvPicPr>
+          <p:nvPr/>
+        </p:nvPicPr>
+        <p:blipFill>
+          <a:blip r:embed="rId4" cstate="print">
+            <a:extLst>
+              <a:ext uri="{28A0092B-C50C-407E-A947-70E740481C1C}">
+                <a14:useLocalDpi xmlns:a14="http://schemas.microsoft.com/office/drawing/2010/main" val="0"/>
+              </a:ext>
+            </a:extLst>
+          </a:blip>
+          <a:srcRect/>
+          <a:stretch>
+            <a:fillRect/>
+          </a:stretch>
+        </p:blipFill>
+        <p:spPr bwMode="auto">
+          <a:xfrm>
+            <a:off x="9699711" y="267071"/>
+            <a:ext cx="720000" cy="720000"/>
+          </a:xfrm>
+          <a:prstGeom prst="rect">
+            <a:avLst/>
+          </a:prstGeom>
+          <a:noFill/>
+          <a:extLst>
+            <a:ext uri="{909E8E84-426E-40DD-AFC4-6F175D3DCCD1}">
+              <a14:hiddenFill xmlns:a14="http://schemas.microsoft.com/office/drawing/2010/main">
+                <a:solidFill>
+                  <a:srgbClr val="FFFFFF"/>
+                </a:solidFill>
+              </a14:hiddenFill>
+            </a:ext>
+          </a:extLst>
+        </p:spPr>
+      </p:pic>
+      <p:pic>
+        <p:nvPicPr>
+          <p:cNvPr id="1038" name="Picture 14" descr="Resultado de imagen para ALLTRAILS   png"/>
+          <p:cNvPicPr>
+            <a:picLocks noChangeAspect="1" noChangeArrowheads="1"/>
+          </p:cNvPicPr>
+          <p:nvPr/>
+        </p:nvPicPr>
+        <p:blipFill>
+          <a:blip r:embed="rId5" cstate="print">
+            <a:extLst>
+              <a:ext uri="{28A0092B-C50C-407E-A947-70E740481C1C}">
+                <a14:useLocalDpi xmlns:a14="http://schemas.microsoft.com/office/drawing/2010/main" val="0"/>
+              </a:ext>
+            </a:extLst>
+          </a:blip>
+          <a:srcRect/>
+          <a:stretch>
+            <a:fillRect/>
+          </a:stretch>
+        </p:blipFill>
+        <p:spPr bwMode="auto">
+          <a:xfrm>
+            <a:off x="10717569" y="228006"/>
+            <a:ext cx="720000" cy="720000"/>
+          </a:xfrm>
+          <a:prstGeom prst="rect">
+            <a:avLst/>
+          </a:prstGeom>
+          <a:noFill/>
+          <a:extLst>
+            <a:ext uri="{909E8E84-426E-40DD-AFC4-6F175D3DCCD1}">
+              <a14:hiddenFill xmlns:a14="http://schemas.microsoft.com/office/drawing/2010/main">
+                <a:solidFill>
+                  <a:srgbClr val="FFFFFF"/>
+                </a:solidFill>
+              </a14:hiddenFill>
+            </a:ext>
+          </a:extLst>
+        </p:spPr>
+      </p:pic>
+      <p:pic>
+        <p:nvPicPr>
+          <p:cNvPr id="1040" name="Picture 16" descr="Resultado de imagen para KOMOOT   png"/>
+          <p:cNvPicPr>
+            <a:picLocks noChangeAspect="1" noChangeArrowheads="1"/>
+          </p:cNvPicPr>
+          <p:nvPr/>
+        </p:nvPicPr>
+        <p:blipFill>
+          <a:blip r:embed="rId6" cstate="print">
+            <a:extLst>
+              <a:ext uri="{28A0092B-C50C-407E-A947-70E740481C1C}">
+                <a14:useLocalDpi xmlns:a14="http://schemas.microsoft.com/office/drawing/2010/main" val="0"/>
+              </a:ext>
+            </a:extLst>
+          </a:blip>
+          <a:srcRect/>
+          <a:stretch>
+            <a:fillRect/>
+          </a:stretch>
+        </p:blipFill>
+        <p:spPr bwMode="auto">
+          <a:xfrm>
+            <a:off x="11616898" y="237322"/>
+            <a:ext cx="720000" cy="720000"/>
+          </a:xfrm>
+          <a:prstGeom prst="rect">
+            <a:avLst/>
+          </a:prstGeom>
+          <a:noFill/>
+          <a:extLst>
+            <a:ext uri="{909E8E84-426E-40DD-AFC4-6F175D3DCCD1}">
+              <a14:hiddenFill xmlns:a14="http://schemas.microsoft.com/office/drawing/2010/main">
+                <a:solidFill>
+                  <a:srgbClr val="FFFFFF"/>
+                </a:solidFill>
+              </a14:hiddenFill>
+            </a:ext>
+          </a:extLst>
+        </p:spPr>
+      </p:pic>
+      <p:pic>
+        <p:nvPicPr>
+          <p:cNvPr id="1042" name="Picture 18" descr="Resultado de imagen para GPS Strava    png"/>
+          <p:cNvPicPr>
+            <a:picLocks noChangeAspect="1" noChangeArrowheads="1"/>
+          </p:cNvPicPr>
+          <p:nvPr/>
+        </p:nvPicPr>
+        <p:blipFill>
+          <a:blip r:embed="rId7" cstate="print">
+            <a:extLst>
+              <a:ext uri="{28A0092B-C50C-407E-A947-70E740481C1C}">
+                <a14:useLocalDpi xmlns:a14="http://schemas.microsoft.com/office/drawing/2010/main" val="0"/>
+              </a:ext>
+            </a:extLst>
+          </a:blip>
+          <a:srcRect/>
+          <a:stretch>
+            <a:fillRect/>
+          </a:stretch>
+        </p:blipFill>
+        <p:spPr bwMode="auto">
+          <a:xfrm>
+            <a:off x="12464055" y="228006"/>
+            <a:ext cx="720000" cy="720000"/>
+          </a:xfrm>
+          <a:prstGeom prst="rect">
+            <a:avLst/>
+          </a:prstGeom>
+          <a:noFill/>
+          <a:extLst>
+            <a:ext uri="{909E8E84-426E-40DD-AFC4-6F175D3DCCD1}">
+              <a14:hiddenFill xmlns:a14="http://schemas.microsoft.com/office/drawing/2010/main">
+                <a:solidFill>
+                  <a:srgbClr val="FFFFFF"/>
+                </a:solidFill>
+              </a14:hiddenFill>
+            </a:ext>
+          </a:extLst>
+        </p:spPr>
+      </p:pic>
     </p:spTree>
     <p:extLst>
       <p:ext uri="{BB962C8B-B14F-4D97-AF65-F5344CB8AC3E}">
-        <p14:creationId xmlns:p14="http://schemas.microsoft.com/office/powerpoint/2010/main" val="929907505"/>
+        <p14:creationId xmlns:p14="http://schemas.microsoft.com/office/powerpoint/2010/main" val="3683339239"/>
       </p:ext>
     </p:extLst>
   </p:cSld>

--- a/assets/docs/Presentación1.pptx
+++ b/assets/docs/Presentación1.pptx
@@ -7,6 +7,7 @@
   <p:sldIdLst>
     <p:sldId id="256" r:id="rId2"/>
     <p:sldId id="257" r:id="rId3"/>
+    <p:sldId id="258" r:id="rId4"/>
   </p:sldIdLst>
   <p:sldSz cx="13679488" cy="8999538"/>
   <p:notesSz cx="6858000" cy="9144000"/>
@@ -255,7 +256,7 @@
           <a:p>
             <a:fld id="{AF99848F-2E90-422F-A825-1CE64B5117CF}" type="datetimeFigureOut">
               <a:rPr lang="es-PE" smtClean="0"/>
-              <a:t>01/04/2018</a:t>
+              <a:t>02/04/2018</a:t>
             </a:fld>
             <a:endParaRPr lang="es-PE"/>
           </a:p>
@@ -425,7 +426,7 @@
           <a:p>
             <a:fld id="{AF99848F-2E90-422F-A825-1CE64B5117CF}" type="datetimeFigureOut">
               <a:rPr lang="es-PE" smtClean="0"/>
-              <a:t>01/04/2018</a:t>
+              <a:t>02/04/2018</a:t>
             </a:fld>
             <a:endParaRPr lang="es-PE"/>
           </a:p>
@@ -605,7 +606,7 @@
           <a:p>
             <a:fld id="{AF99848F-2E90-422F-A825-1CE64B5117CF}" type="datetimeFigureOut">
               <a:rPr lang="es-PE" smtClean="0"/>
-              <a:t>01/04/2018</a:t>
+              <a:t>02/04/2018</a:t>
             </a:fld>
             <a:endParaRPr lang="es-PE"/>
           </a:p>
@@ -775,7 +776,7 @@
           <a:p>
             <a:fld id="{AF99848F-2E90-422F-A825-1CE64B5117CF}" type="datetimeFigureOut">
               <a:rPr lang="es-PE" smtClean="0"/>
-              <a:t>01/04/2018</a:t>
+              <a:t>02/04/2018</a:t>
             </a:fld>
             <a:endParaRPr lang="es-PE"/>
           </a:p>
@@ -1019,7 +1020,7 @@
           <a:p>
             <a:fld id="{AF99848F-2E90-422F-A825-1CE64B5117CF}" type="datetimeFigureOut">
               <a:rPr lang="es-PE" smtClean="0"/>
-              <a:t>01/04/2018</a:t>
+              <a:t>02/04/2018</a:t>
             </a:fld>
             <a:endParaRPr lang="es-PE"/>
           </a:p>
@@ -1251,7 +1252,7 @@
           <a:p>
             <a:fld id="{AF99848F-2E90-422F-A825-1CE64B5117CF}" type="datetimeFigureOut">
               <a:rPr lang="es-PE" smtClean="0"/>
-              <a:t>01/04/2018</a:t>
+              <a:t>02/04/2018</a:t>
             </a:fld>
             <a:endParaRPr lang="es-PE"/>
           </a:p>
@@ -1618,7 +1619,7 @@
           <a:p>
             <a:fld id="{AF99848F-2E90-422F-A825-1CE64B5117CF}" type="datetimeFigureOut">
               <a:rPr lang="es-PE" smtClean="0"/>
-              <a:t>01/04/2018</a:t>
+              <a:t>02/04/2018</a:t>
             </a:fld>
             <a:endParaRPr lang="es-PE"/>
           </a:p>
@@ -1736,7 +1737,7 @@
           <a:p>
             <a:fld id="{AF99848F-2E90-422F-A825-1CE64B5117CF}" type="datetimeFigureOut">
               <a:rPr lang="es-PE" smtClean="0"/>
-              <a:t>01/04/2018</a:t>
+              <a:t>02/04/2018</a:t>
             </a:fld>
             <a:endParaRPr lang="es-PE"/>
           </a:p>
@@ -1831,7 +1832,7 @@
           <a:p>
             <a:fld id="{AF99848F-2E90-422F-A825-1CE64B5117CF}" type="datetimeFigureOut">
               <a:rPr lang="es-PE" smtClean="0"/>
-              <a:t>01/04/2018</a:t>
+              <a:t>02/04/2018</a:t>
             </a:fld>
             <a:endParaRPr lang="es-PE"/>
           </a:p>
@@ -2108,7 +2109,7 @@
           <a:p>
             <a:fld id="{AF99848F-2E90-422F-A825-1CE64B5117CF}" type="datetimeFigureOut">
               <a:rPr lang="es-PE" smtClean="0"/>
-              <a:t>01/04/2018</a:t>
+              <a:t>02/04/2018</a:t>
             </a:fld>
             <a:endParaRPr lang="es-PE"/>
           </a:p>
@@ -2365,7 +2366,7 @@
           <a:p>
             <a:fld id="{AF99848F-2E90-422F-A825-1CE64B5117CF}" type="datetimeFigureOut">
               <a:rPr lang="es-PE" smtClean="0"/>
-              <a:t>01/04/2018</a:t>
+              <a:t>02/04/2018</a:t>
             </a:fld>
             <a:endParaRPr lang="es-PE"/>
           </a:p>
@@ -2578,7 +2579,7 @@
           <a:p>
             <a:fld id="{AF99848F-2E90-422F-A825-1CE64B5117CF}" type="datetimeFigureOut">
               <a:rPr lang="es-PE" smtClean="0"/>
-              <a:t>01/04/2018</a:t>
+              <a:t>02/04/2018</a:t>
             </a:fld>
             <a:endParaRPr lang="es-PE"/>
           </a:p>
@@ -8173,6 +8174,65 @@
 </p:sld>
 </file>
 
+<file path=ppt/slides/slide3.xml><?xml version="1.0" encoding="utf-8"?>
+<p:sld xmlns:a="http://schemas.openxmlformats.org/drawingml/2006/main" xmlns:r="http://schemas.openxmlformats.org/officeDocument/2006/relationships" xmlns:p="http://schemas.openxmlformats.org/presentationml/2006/main">
+  <p:cSld>
+    <p:spTree>
+      <p:nvGrpSpPr>
+        <p:cNvPr id="1" name=""/>
+        <p:cNvGrpSpPr/>
+        <p:nvPr/>
+      </p:nvGrpSpPr>
+      <p:grpSpPr>
+        <a:xfrm>
+          <a:off x="0" y="0"/>
+          <a:ext cx="0" cy="0"/>
+          <a:chOff x="0" y="0"/>
+          <a:chExt cx="0" cy="0"/>
+        </a:xfrm>
+      </p:grpSpPr>
+      <p:pic>
+        <p:nvPicPr>
+          <p:cNvPr id="4" name="Imagen 3"/>
+          <p:cNvPicPr>
+            <a:picLocks noChangeAspect="1"/>
+          </p:cNvPicPr>
+          <p:nvPr/>
+        </p:nvPicPr>
+        <p:blipFill rotWithShape="1">
+          <a:blip r:embed="rId2">
+            <a:extLst>
+              <a:ext uri="{28A0092B-C50C-407E-A947-70E740481C1C}">
+                <a14:useLocalDpi xmlns:a14="http://schemas.microsoft.com/office/drawing/2010/main" val="0"/>
+              </a:ext>
+            </a:extLst>
+          </a:blip>
+          <a:srcRect l="5314" t="8935" r="5178" b="1078"/>
+          <a:stretch/>
+        </p:blipFill>
+        <p:spPr>
+          <a:xfrm>
+            <a:off x="354408" y="202883"/>
+            <a:ext cx="12972260" cy="8595360"/>
+          </a:xfrm>
+          <a:prstGeom prst="rect">
+            <a:avLst/>
+          </a:prstGeom>
+        </p:spPr>
+      </p:pic>
+    </p:spTree>
+    <p:extLst>
+      <p:ext uri="{BB962C8B-B14F-4D97-AF65-F5344CB8AC3E}">
+        <p14:creationId xmlns:p14="http://schemas.microsoft.com/office/powerpoint/2010/main" val="1599406238"/>
+      </p:ext>
+    </p:extLst>
+  </p:cSld>
+  <p:clrMapOvr>
+    <a:masterClrMapping/>
+  </p:clrMapOvr>
+</p:sld>
+</file>
+
 <file path=ppt/theme/theme1.xml><?xml version="1.0" encoding="utf-8"?>
 <a:theme xmlns:a="http://schemas.openxmlformats.org/drawingml/2006/main" name="Tema de Office">
   <a:themeElements>
